--- a/SlideElasticSearch.pptx
+++ b/SlideElasticSearch.pptx
@@ -8,20 +8,26 @@
     <p:sldId id="256" r:id="rId2"/>
     <p:sldId id="257" r:id="rId3"/>
     <p:sldId id="258" r:id="rId4"/>
-    <p:sldId id="259" r:id="rId5"/>
-    <p:sldId id="260" r:id="rId6"/>
-    <p:sldId id="261" r:id="rId7"/>
-    <p:sldId id="264" r:id="rId8"/>
-    <p:sldId id="265" r:id="rId9"/>
-    <p:sldId id="266" r:id="rId10"/>
-    <p:sldId id="267" r:id="rId11"/>
-    <p:sldId id="268" r:id="rId12"/>
-    <p:sldId id="263" r:id="rId13"/>
-    <p:sldId id="269" r:id="rId14"/>
-    <p:sldId id="262" r:id="rId15"/>
-    <p:sldId id="270" r:id="rId16"/>
-    <p:sldId id="271" r:id="rId17"/>
-    <p:sldId id="272" r:id="rId18"/>
+    <p:sldId id="274" r:id="rId5"/>
+    <p:sldId id="273" r:id="rId6"/>
+    <p:sldId id="259" r:id="rId7"/>
+    <p:sldId id="276" r:id="rId8"/>
+    <p:sldId id="282" r:id="rId9"/>
+    <p:sldId id="281" r:id="rId10"/>
+    <p:sldId id="277" r:id="rId11"/>
+    <p:sldId id="275" r:id="rId12"/>
+    <p:sldId id="278" r:id="rId13"/>
+    <p:sldId id="264" r:id="rId14"/>
+    <p:sldId id="265" r:id="rId15"/>
+    <p:sldId id="266" r:id="rId16"/>
+    <p:sldId id="267" r:id="rId17"/>
+    <p:sldId id="268" r:id="rId18"/>
+    <p:sldId id="263" r:id="rId19"/>
+    <p:sldId id="269" r:id="rId20"/>
+    <p:sldId id="262" r:id="rId21"/>
+    <p:sldId id="270" r:id="rId22"/>
+    <p:sldId id="271" r:id="rId23"/>
+    <p:sldId id="272" r:id="rId24"/>
   </p:sldIdLst>
   <p:sldSz cx="12192000" cy="6858000"/>
   <p:notesSz cx="6858000" cy="9144000"/>
@@ -120,6 +126,11 @@
       </a:defRPr>
     </a:lvl9pPr>
   </p:defaultTextStyle>
+  <p:extLst>
+    <p:ext uri="{EFAFB233-063F-42B5-8137-9DF3F51BA10A}">
+      <p15:sldGuideLst xmlns:p15="http://schemas.microsoft.com/office/powerpoint/2012/main"/>
+    </p:ext>
+  </p:extLst>
 </p:presentation>
 </file>
 
@@ -270,7 +281,7 @@
           <a:p>
             <a:fld id="{A31C43E6-DCCA-4CC1-9A43-40987AECA57C}" type="datetimeFigureOut">
               <a:rPr lang="en-US" smtClean="0"/>
-              <a:t>10/26/2023</a:t>
+              <a:t>10/27/2023</a:t>
             </a:fld>
             <a:endParaRPr lang="en-US"/>
           </a:p>
@@ -468,7 +479,7 @@
           <a:p>
             <a:fld id="{A31C43E6-DCCA-4CC1-9A43-40987AECA57C}" type="datetimeFigureOut">
               <a:rPr lang="en-US" smtClean="0"/>
-              <a:t>10/26/2023</a:t>
+              <a:t>10/27/2023</a:t>
             </a:fld>
             <a:endParaRPr lang="en-US"/>
           </a:p>
@@ -676,7 +687,7 @@
           <a:p>
             <a:fld id="{A31C43E6-DCCA-4CC1-9A43-40987AECA57C}" type="datetimeFigureOut">
               <a:rPr lang="en-US" smtClean="0"/>
-              <a:t>10/26/2023</a:t>
+              <a:t>10/27/2023</a:t>
             </a:fld>
             <a:endParaRPr lang="en-US"/>
           </a:p>
@@ -874,7 +885,7 @@
           <a:p>
             <a:fld id="{A31C43E6-DCCA-4CC1-9A43-40987AECA57C}" type="datetimeFigureOut">
               <a:rPr lang="en-US" smtClean="0"/>
-              <a:t>10/26/2023</a:t>
+              <a:t>10/27/2023</a:t>
             </a:fld>
             <a:endParaRPr lang="en-US"/>
           </a:p>
@@ -1149,7 +1160,7 @@
           <a:p>
             <a:fld id="{A31C43E6-DCCA-4CC1-9A43-40987AECA57C}" type="datetimeFigureOut">
               <a:rPr lang="en-US" smtClean="0"/>
-              <a:t>10/26/2023</a:t>
+              <a:t>10/27/2023</a:t>
             </a:fld>
             <a:endParaRPr lang="en-US"/>
           </a:p>
@@ -1414,7 +1425,7 @@
           <a:p>
             <a:fld id="{A31C43E6-DCCA-4CC1-9A43-40987AECA57C}" type="datetimeFigureOut">
               <a:rPr lang="en-US" smtClean="0"/>
-              <a:t>10/26/2023</a:t>
+              <a:t>10/27/2023</a:t>
             </a:fld>
             <a:endParaRPr lang="en-US"/>
           </a:p>
@@ -1826,7 +1837,7 @@
           <a:p>
             <a:fld id="{A31C43E6-DCCA-4CC1-9A43-40987AECA57C}" type="datetimeFigureOut">
               <a:rPr lang="en-US" smtClean="0"/>
-              <a:t>10/26/2023</a:t>
+              <a:t>10/27/2023</a:t>
             </a:fld>
             <a:endParaRPr lang="en-US"/>
           </a:p>
@@ -1967,7 +1978,7 @@
           <a:p>
             <a:fld id="{A31C43E6-DCCA-4CC1-9A43-40987AECA57C}" type="datetimeFigureOut">
               <a:rPr lang="en-US" smtClean="0"/>
-              <a:t>10/26/2023</a:t>
+              <a:t>10/27/2023</a:t>
             </a:fld>
             <a:endParaRPr lang="en-US"/>
           </a:p>
@@ -2080,7 +2091,7 @@
           <a:p>
             <a:fld id="{A31C43E6-DCCA-4CC1-9A43-40987AECA57C}" type="datetimeFigureOut">
               <a:rPr lang="en-US" smtClean="0"/>
-              <a:t>10/26/2023</a:t>
+              <a:t>10/27/2023</a:t>
             </a:fld>
             <a:endParaRPr lang="en-US"/>
           </a:p>
@@ -2391,7 +2402,7 @@
           <a:p>
             <a:fld id="{A31C43E6-DCCA-4CC1-9A43-40987AECA57C}" type="datetimeFigureOut">
               <a:rPr lang="en-US" smtClean="0"/>
-              <a:t>10/26/2023</a:t>
+              <a:t>10/27/2023</a:t>
             </a:fld>
             <a:endParaRPr lang="en-US"/>
           </a:p>
@@ -2679,7 +2690,7 @@
           <a:p>
             <a:fld id="{A31C43E6-DCCA-4CC1-9A43-40987AECA57C}" type="datetimeFigureOut">
               <a:rPr lang="en-US" smtClean="0"/>
-              <a:t>10/26/2023</a:t>
+              <a:t>10/27/2023</a:t>
             </a:fld>
             <a:endParaRPr lang="en-US"/>
           </a:p>
@@ -2920,7 +2931,7 @@
           <a:p>
             <a:fld id="{A31C43E6-DCCA-4CC1-9A43-40987AECA57C}" type="datetimeFigureOut">
               <a:rPr lang="en-US" smtClean="0"/>
-              <a:t>10/26/2023</a:t>
+              <a:t>10/27/2023</a:t>
             </a:fld>
             <a:endParaRPr lang="en-US"/>
           </a:p>
@@ -3414,63 +3425,130 @@
           <a:chExt cx="0" cy="0"/>
         </a:xfrm>
       </p:grpSpPr>
-      <p:sp>
-        <p:nvSpPr>
-          <p:cNvPr id="2" name="Title 1">
-            <a:extLst>
-              <a:ext uri="{FF2B5EF4-FFF2-40B4-BE49-F238E27FC236}">
-                <a16:creationId xmlns:a16="http://schemas.microsoft.com/office/drawing/2014/main" id="{65E5CDAB-5E99-7029-C60E-774F3940C864}"/>
-              </a:ext>
-            </a:extLst>
-          </p:cNvPr>
-          <p:cNvSpPr>
-            <a:spLocks noGrp="1"/>
-          </p:cNvSpPr>
-          <p:nvPr>
-            <p:ph type="title"/>
-          </p:nvPr>
-        </p:nvSpPr>
-        <p:spPr/>
-        <p:txBody>
-          <a:bodyPr/>
-          <a:lstStyle/>
-          <a:p>
-            <a:r>
-              <a:rPr lang="en-US" dirty="0"/>
-              <a:t>Delete</a:t>
-            </a:r>
-          </a:p>
-        </p:txBody>
-      </p:sp>
-      <p:sp>
-        <p:nvSpPr>
-          <p:cNvPr id="3" name="Content Placeholder 2">
-            <a:extLst>
-              <a:ext uri="{FF2B5EF4-FFF2-40B4-BE49-F238E27FC236}">
-                <a16:creationId xmlns:a16="http://schemas.microsoft.com/office/drawing/2014/main" id="{3BCED5D1-8878-8E72-2F2D-E03C70182489}"/>
-              </a:ext>
-            </a:extLst>
-          </p:cNvPr>
-          <p:cNvSpPr>
-            <a:spLocks noGrp="1"/>
-          </p:cNvSpPr>
-          <p:nvPr>
-            <p:ph idx="1"/>
-          </p:nvPr>
-        </p:nvSpPr>
-        <p:spPr/>
-        <p:txBody>
-          <a:bodyPr/>
-          <a:lstStyle/>
-          <a:p>
-            <a:endParaRPr lang="en-US"/>
-          </a:p>
-        </p:txBody>
-      </p:sp>
+      <p:grpSp>
+        <p:nvGrpSpPr>
+          <p:cNvPr id="6" name="Group 5">
+            <a:extLst>
+              <a:ext uri="{FF2B5EF4-FFF2-40B4-BE49-F238E27FC236}">
+                <a16:creationId xmlns:a16="http://schemas.microsoft.com/office/drawing/2014/main" id="{39022BF1-DCF3-9F8D-7FDA-C784A722B50C}"/>
+              </a:ext>
+            </a:extLst>
+          </p:cNvPr>
+          <p:cNvGrpSpPr/>
+          <p:nvPr/>
+        </p:nvGrpSpPr>
+        <p:grpSpPr>
+          <a:xfrm>
+            <a:off x="1563763" y="878967"/>
+            <a:ext cx="8627801" cy="4341204"/>
+            <a:chOff x="1324066" y="1464893"/>
+            <a:chExt cx="8627801" cy="4341204"/>
+          </a:xfrm>
+        </p:grpSpPr>
+        <p:pic>
+          <p:nvPicPr>
+            <p:cNvPr id="4" name="Picture 2" descr="Elasticsearch là gì? Kiến thức tổng quan về Elasticsearch">
+              <a:extLst>
+                <a:ext uri="{FF2B5EF4-FFF2-40B4-BE49-F238E27FC236}">
+                  <a16:creationId xmlns:a16="http://schemas.microsoft.com/office/drawing/2014/main" id="{661E4D97-5120-DD44-6BFF-01F1F0DEAE40}"/>
+                </a:ext>
+              </a:extLst>
+            </p:cNvPr>
+            <p:cNvPicPr>
+              <a:picLocks noChangeAspect="1" noChangeArrowheads="1"/>
+            </p:cNvPicPr>
+            <p:nvPr/>
+          </p:nvPicPr>
+          <p:blipFill>
+            <a:blip r:embed="rId2">
+              <a:extLst>
+                <a:ext uri="{28A0092B-C50C-407E-A947-70E740481C1C}">
+                  <a14:useLocalDpi xmlns:a14="http://schemas.microsoft.com/office/drawing/2010/main" val="0"/>
+                </a:ext>
+              </a:extLst>
+            </a:blip>
+            <a:srcRect/>
+            <a:stretch>
+              <a:fillRect/>
+            </a:stretch>
+          </p:blipFill>
+          <p:spPr bwMode="auto">
+            <a:xfrm>
+              <a:off x="1324066" y="1464893"/>
+              <a:ext cx="8627801" cy="4341204"/>
+            </a:xfrm>
+            <a:prstGeom prst="rect">
+              <a:avLst/>
+            </a:prstGeom>
+            <a:noFill/>
+            <a:extLst>
+              <a:ext uri="{909E8E84-426E-40DD-AFC4-6F175D3DCCD1}">
+                <a14:hiddenFill xmlns:a14="http://schemas.microsoft.com/office/drawing/2010/main">
+                  <a:solidFill>
+                    <a:srgbClr val="FFFFFF"/>
+                  </a:solidFill>
+                </a14:hiddenFill>
+              </a:ext>
+            </a:extLst>
+          </p:spPr>
+        </p:pic>
+        <p:sp>
+          <p:nvSpPr>
+            <p:cNvPr id="5" name="Rectangle 4">
+              <a:extLst>
+                <a:ext uri="{FF2B5EF4-FFF2-40B4-BE49-F238E27FC236}">
+                  <a16:creationId xmlns:a16="http://schemas.microsoft.com/office/drawing/2014/main" id="{DFDCF3F3-CE1B-B657-8079-35135E1FF6B4}"/>
+                </a:ext>
+              </a:extLst>
+            </p:cNvPr>
+            <p:cNvSpPr/>
+            <p:nvPr/>
+          </p:nvSpPr>
+          <p:spPr>
+            <a:xfrm>
+              <a:off x="1944210" y="1597981"/>
+              <a:ext cx="7146524" cy="1171852"/>
+            </a:xfrm>
+            <a:prstGeom prst="rect">
+              <a:avLst/>
+            </a:prstGeom>
+            <a:solidFill>
+              <a:schemeClr val="bg1"/>
+            </a:solidFill>
+            <a:ln>
+              <a:noFill/>
+            </a:ln>
+          </p:spPr>
+          <p:style>
+            <a:lnRef idx="2">
+              <a:schemeClr val="accent1">
+                <a:shade val="15000"/>
+              </a:schemeClr>
+            </a:lnRef>
+            <a:fillRef idx="1">
+              <a:schemeClr val="accent1"/>
+            </a:fillRef>
+            <a:effectRef idx="0">
+              <a:schemeClr val="accent1"/>
+            </a:effectRef>
+            <a:fontRef idx="minor">
+              <a:schemeClr val="lt1"/>
+            </a:fontRef>
+          </p:style>
+          <p:txBody>
+            <a:bodyPr rtlCol="0" anchor="ctr"/>
+            <a:lstStyle/>
+            <a:p>
+              <a:pPr algn="ctr"/>
+              <a:endParaRPr lang="en-US"/>
+            </a:p>
+          </p:txBody>
+        </p:sp>
+      </p:grpSp>
     </p:spTree>
     <p:extLst>
       <p:ext uri="{BB962C8B-B14F-4D97-AF65-F5344CB8AC3E}">
-        <p14:creationId xmlns:p14="http://schemas.microsoft.com/office/powerpoint/2010/main" val="2641907112"/>
+        <p14:creationId xmlns:p14="http://schemas.microsoft.com/office/powerpoint/2010/main" val="1265754446"/>
       </p:ext>
     </p:extLst>
   </p:cSld>
@@ -3499,38 +3577,10 @@
       </p:grpSpPr>
       <p:sp>
         <p:nvSpPr>
-          <p:cNvPr id="2" name="Title 1">
-            <a:extLst>
-              <a:ext uri="{FF2B5EF4-FFF2-40B4-BE49-F238E27FC236}">
-                <a16:creationId xmlns:a16="http://schemas.microsoft.com/office/drawing/2014/main" id="{65E5CDAB-5E99-7029-C60E-774F3940C864}"/>
-              </a:ext>
-            </a:extLst>
-          </p:cNvPr>
-          <p:cNvSpPr>
-            <a:spLocks noGrp="1"/>
-          </p:cNvSpPr>
-          <p:nvPr>
-            <p:ph type="title"/>
-          </p:nvPr>
-        </p:nvSpPr>
-        <p:spPr/>
-        <p:txBody>
-          <a:bodyPr/>
-          <a:lstStyle/>
-          <a:p>
-            <a:r>
-              <a:rPr lang="en-US" dirty="0"/>
-              <a:t>Shade</a:t>
-            </a:r>
-          </a:p>
-        </p:txBody>
-      </p:sp>
-      <p:sp>
-        <p:nvSpPr>
           <p:cNvPr id="3" name="Content Placeholder 2">
             <a:extLst>
               <a:ext uri="{FF2B5EF4-FFF2-40B4-BE49-F238E27FC236}">
-                <a16:creationId xmlns:a16="http://schemas.microsoft.com/office/drawing/2014/main" id="{3BCED5D1-8878-8E72-2F2D-E03C70182489}"/>
+                <a16:creationId xmlns:a16="http://schemas.microsoft.com/office/drawing/2014/main" id="{16183CA8-55AB-3D36-1191-33A3FF242501}"/>
               </a:ext>
             </a:extLst>
           </p:cNvPr>
@@ -3541,19 +3591,337 @@
             <p:ph idx="1"/>
           </p:nvPr>
         </p:nvSpPr>
-        <p:spPr/>
-        <p:txBody>
-          <a:bodyPr/>
-          <a:lstStyle/>
-          <a:p>
-            <a:endParaRPr lang="en-US"/>
+        <p:spPr>
+          <a:xfrm>
+            <a:off x="838200" y="1376039"/>
+            <a:ext cx="10515600" cy="4800924"/>
+          </a:xfrm>
+        </p:spPr>
+        <p:txBody>
+          <a:bodyPr>
+            <a:normAutofit/>
+          </a:bodyPr>
+          <a:lstStyle/>
+          <a:p>
+            <a:r>
+              <a:rPr lang="en-US" dirty="0"/>
+              <a:t>Cluster </a:t>
+            </a:r>
+            <a:r>
+              <a:rPr lang="en-US" dirty="0" err="1"/>
+              <a:t>là</a:t>
+            </a:r>
+            <a:r>
+              <a:rPr lang="en-US" dirty="0"/>
+              <a:t> </a:t>
+            </a:r>
+            <a:r>
+              <a:rPr lang="en-US" dirty="0" err="1"/>
+              <a:t>cụm</a:t>
+            </a:r>
+            <a:r>
+              <a:rPr lang="en-US" dirty="0"/>
+              <a:t> </a:t>
+            </a:r>
+            <a:r>
+              <a:rPr lang="en-US" dirty="0" err="1"/>
+              <a:t>phân</a:t>
+            </a:r>
+            <a:r>
+              <a:rPr lang="en-US" dirty="0"/>
+              <a:t> </a:t>
+            </a:r>
+            <a:r>
+              <a:rPr lang="en-US" dirty="0" err="1"/>
+              <a:t>tán</a:t>
+            </a:r>
+            <a:endParaRPr lang="en-US" dirty="0"/>
+          </a:p>
+          <a:p>
+            <a:r>
+              <a:rPr lang="en-US" dirty="0"/>
+              <a:t>Node </a:t>
+            </a:r>
+            <a:r>
+              <a:rPr lang="en-US" dirty="0" err="1"/>
+              <a:t>là</a:t>
+            </a:r>
+            <a:r>
+              <a:rPr lang="en-US" dirty="0"/>
+              <a:t> </a:t>
+            </a:r>
+            <a:r>
+              <a:rPr lang="en-US" dirty="0" err="1"/>
+              <a:t>phần</a:t>
+            </a:r>
+            <a:r>
+              <a:rPr lang="en-US" dirty="0"/>
+              <a:t> </a:t>
+            </a:r>
+            <a:r>
+              <a:rPr lang="en-US" dirty="0" err="1"/>
+              <a:t>tử</a:t>
+            </a:r>
+            <a:r>
+              <a:rPr lang="en-US" dirty="0"/>
+              <a:t> </a:t>
+            </a:r>
+            <a:r>
+              <a:rPr lang="en-US" dirty="0" err="1"/>
+              <a:t>trong</a:t>
+            </a:r>
+            <a:r>
+              <a:rPr lang="en-US" dirty="0"/>
+              <a:t> cluster </a:t>
+            </a:r>
+            <a:r>
+              <a:rPr lang="en-US" dirty="0" err="1"/>
+              <a:t>có</a:t>
+            </a:r>
+            <a:r>
+              <a:rPr lang="en-US" dirty="0"/>
+              <a:t> </a:t>
+            </a:r>
+            <a:r>
+              <a:rPr lang="en-US" dirty="0" err="1"/>
+              <a:t>nhiệm</a:t>
+            </a:r>
+            <a:r>
+              <a:rPr lang="en-US" dirty="0"/>
+              <a:t> </a:t>
+            </a:r>
+            <a:r>
+              <a:rPr lang="en-US" dirty="0" err="1"/>
+              <a:t>vụ</a:t>
+            </a:r>
+            <a:r>
+              <a:rPr lang="en-US" dirty="0"/>
+              <a:t> </a:t>
+            </a:r>
+            <a:r>
+              <a:rPr lang="en-US" dirty="0" err="1"/>
+              <a:t>lưu</a:t>
+            </a:r>
+            <a:r>
+              <a:rPr lang="en-US" dirty="0"/>
+              <a:t>, </a:t>
+            </a:r>
+            <a:r>
+              <a:rPr lang="en-US" dirty="0" err="1"/>
+              <a:t>xử</a:t>
+            </a:r>
+            <a:r>
+              <a:rPr lang="en-US" dirty="0"/>
+              <a:t> </a:t>
+            </a:r>
+            <a:r>
+              <a:rPr lang="en-US" dirty="0" err="1"/>
+              <a:t>lý</a:t>
+            </a:r>
+            <a:r>
+              <a:rPr lang="en-US" dirty="0"/>
+              <a:t> data</a:t>
+            </a:r>
+          </a:p>
+          <a:p>
+            <a:r>
+              <a:rPr lang="en-US" dirty="0"/>
+              <a:t>Index </a:t>
+            </a:r>
+            <a:r>
+              <a:rPr lang="en-US" dirty="0" err="1"/>
+              <a:t>là</a:t>
+            </a:r>
+            <a:r>
+              <a:rPr lang="en-US" dirty="0"/>
+              <a:t> </a:t>
+            </a:r>
+            <a:r>
+              <a:rPr lang="en-US" dirty="0" err="1"/>
+              <a:t>tập</a:t>
+            </a:r>
+            <a:r>
+              <a:rPr lang="en-US" dirty="0"/>
+              <a:t> </a:t>
+            </a:r>
+            <a:r>
+              <a:rPr lang="en-US" dirty="0" err="1"/>
+              <a:t>hợp</a:t>
+            </a:r>
+            <a:r>
+              <a:rPr lang="en-US" dirty="0"/>
+              <a:t> </a:t>
+            </a:r>
+            <a:r>
+              <a:rPr lang="en-US" dirty="0" err="1"/>
+              <a:t>các</a:t>
+            </a:r>
+            <a:r>
+              <a:rPr lang="en-US" dirty="0"/>
+              <a:t> document, </a:t>
+            </a:r>
+            <a:r>
+              <a:rPr lang="en-US" dirty="0" err="1"/>
+              <a:t>tương</a:t>
+            </a:r>
+            <a:r>
+              <a:rPr lang="en-US" dirty="0"/>
+              <a:t> </a:t>
+            </a:r>
+            <a:r>
+              <a:rPr lang="en-US" dirty="0" err="1"/>
+              <a:t>tự</a:t>
+            </a:r>
+            <a:r>
+              <a:rPr lang="en-US" dirty="0"/>
+              <a:t> database</a:t>
+            </a:r>
+          </a:p>
+          <a:p>
+            <a:r>
+              <a:rPr lang="en-US" dirty="0"/>
+              <a:t>Document </a:t>
+            </a:r>
+            <a:r>
+              <a:rPr lang="en-US" dirty="0" err="1"/>
+              <a:t>là</a:t>
+            </a:r>
+            <a:r>
+              <a:rPr lang="en-US" dirty="0"/>
+              <a:t> record</a:t>
+            </a:r>
+          </a:p>
+          <a:p>
+            <a:r>
+              <a:rPr lang="en-US" dirty="0"/>
+              <a:t>Document type </a:t>
+            </a:r>
+            <a:r>
+              <a:rPr lang="en-US" dirty="0" err="1"/>
+              <a:t>là</a:t>
+            </a:r>
+            <a:r>
+              <a:rPr lang="en-US" dirty="0"/>
+              <a:t> table</a:t>
+            </a:r>
+          </a:p>
+          <a:p>
+            <a:r>
+              <a:rPr lang="en-US" dirty="0"/>
+              <a:t>Shard </a:t>
+            </a:r>
+            <a:r>
+              <a:rPr lang="en-US" dirty="0" err="1"/>
+              <a:t>là</a:t>
+            </a:r>
+            <a:r>
+              <a:rPr lang="en-US" dirty="0"/>
+              <a:t> </a:t>
+            </a:r>
+            <a:r>
+              <a:rPr lang="en-US" dirty="0" err="1"/>
+              <a:t>phân</a:t>
+            </a:r>
+            <a:r>
+              <a:rPr lang="en-US" dirty="0"/>
+              <a:t> </a:t>
+            </a:r>
+            <a:r>
+              <a:rPr lang="en-US" dirty="0" err="1"/>
+              <a:t>vùng</a:t>
+            </a:r>
+            <a:r>
+              <a:rPr lang="en-US" dirty="0"/>
+              <a:t> index </a:t>
+            </a:r>
+            <a:r>
+              <a:rPr lang="en-US" dirty="0" err="1"/>
+              <a:t>để</a:t>
+            </a:r>
+            <a:r>
+              <a:rPr lang="en-US" dirty="0"/>
+              <a:t> </a:t>
+            </a:r>
+            <a:r>
+              <a:rPr lang="en-US" dirty="0" err="1"/>
+              <a:t>lưu</a:t>
+            </a:r>
+            <a:r>
+              <a:rPr lang="en-US" dirty="0"/>
+              <a:t> </a:t>
+            </a:r>
+            <a:r>
+              <a:rPr lang="en-US" dirty="0" err="1"/>
+              <a:t>dữ</a:t>
+            </a:r>
+            <a:r>
+              <a:rPr lang="en-US" dirty="0"/>
+              <a:t> </a:t>
+            </a:r>
+            <a:r>
+              <a:rPr lang="en-US" dirty="0" err="1"/>
+              <a:t>liệu</a:t>
+            </a:r>
+            <a:endParaRPr lang="en-US" dirty="0"/>
+          </a:p>
+          <a:p>
+            <a:r>
+              <a:rPr lang="en-US" dirty="0"/>
+              <a:t>Replica </a:t>
+            </a:r>
+            <a:r>
+              <a:rPr lang="en-US" dirty="0" err="1"/>
+              <a:t>là</a:t>
+            </a:r>
+            <a:r>
+              <a:rPr lang="en-US" dirty="0"/>
+              <a:t> </a:t>
+            </a:r>
+            <a:r>
+              <a:rPr lang="en-US" dirty="0" err="1"/>
+              <a:t>các</a:t>
+            </a:r>
+            <a:r>
+              <a:rPr lang="en-US" dirty="0"/>
+              <a:t> </a:t>
+            </a:r>
+            <a:r>
+              <a:rPr lang="en-US" dirty="0" err="1"/>
+              <a:t>bản</a:t>
+            </a:r>
+            <a:r>
+              <a:rPr lang="en-US" dirty="0"/>
+              <a:t> </a:t>
+            </a:r>
+            <a:r>
+              <a:rPr lang="en-US" dirty="0" err="1"/>
+              <a:t>sao</a:t>
+            </a:r>
+            <a:r>
+              <a:rPr lang="en-US" dirty="0"/>
+              <a:t> </a:t>
+            </a:r>
+            <a:r>
+              <a:rPr lang="en-US" dirty="0" err="1"/>
+              <a:t>của</a:t>
+            </a:r>
+            <a:r>
+              <a:rPr lang="en-US" dirty="0"/>
+              <a:t> shard</a:t>
+            </a:r>
+          </a:p>
+          <a:p>
+            <a:pPr marL="0" indent="0">
+              <a:buNone/>
+            </a:pPr>
+            <a:endParaRPr lang="en-US" dirty="0"/>
           </a:p>
         </p:txBody>
       </p:sp>
     </p:spTree>
     <p:extLst>
       <p:ext uri="{BB962C8B-B14F-4D97-AF65-F5344CB8AC3E}">
-        <p14:creationId xmlns:p14="http://schemas.microsoft.com/office/powerpoint/2010/main" val="1093253721"/>
+        <p14:creationId xmlns:p14="http://schemas.microsoft.com/office/powerpoint/2010/main" val="3073325707"/>
       </p:ext>
     </p:extLst>
   </p:cSld>
@@ -3580,63 +3948,40 @@
           <a:chExt cx="0" cy="0"/>
         </a:xfrm>
       </p:grpSpPr>
-      <p:sp>
-        <p:nvSpPr>
-          <p:cNvPr id="2" name="Title 1">
-            <a:extLst>
-              <a:ext uri="{FF2B5EF4-FFF2-40B4-BE49-F238E27FC236}">
-                <a16:creationId xmlns:a16="http://schemas.microsoft.com/office/drawing/2014/main" id="{94AA0663-42CF-3C27-DE48-FF96ABAFA89E}"/>
-              </a:ext>
-            </a:extLst>
-          </p:cNvPr>
-          <p:cNvSpPr>
-            <a:spLocks noGrp="1"/>
-          </p:cNvSpPr>
-          <p:nvPr>
-            <p:ph type="title"/>
-          </p:nvPr>
-        </p:nvSpPr>
-        <p:spPr/>
-        <p:txBody>
-          <a:bodyPr/>
-          <a:lstStyle/>
-          <a:p>
-            <a:r>
-              <a:rPr lang="en-US" dirty="0"/>
-              <a:t>Query</a:t>
-            </a:r>
-          </a:p>
-        </p:txBody>
-      </p:sp>
-      <p:sp>
-        <p:nvSpPr>
-          <p:cNvPr id="3" name="Content Placeholder 2">
-            <a:extLst>
-              <a:ext uri="{FF2B5EF4-FFF2-40B4-BE49-F238E27FC236}">
-                <a16:creationId xmlns:a16="http://schemas.microsoft.com/office/drawing/2014/main" id="{2E03917A-D574-7D03-0FC8-CFFFA941C406}"/>
-              </a:ext>
-            </a:extLst>
-          </p:cNvPr>
-          <p:cNvSpPr>
-            <a:spLocks noGrp="1"/>
-          </p:cNvSpPr>
-          <p:nvPr>
-            <p:ph idx="1"/>
-          </p:nvPr>
-        </p:nvSpPr>
-        <p:spPr/>
-        <p:txBody>
-          <a:bodyPr/>
-          <a:lstStyle/>
-          <a:p>
-            <a:endParaRPr lang="en-US"/>
-          </a:p>
-        </p:txBody>
-      </p:sp>
+      <p:pic>
+        <p:nvPicPr>
+          <p:cNvPr id="4" name="Picture 3">
+            <a:extLst>
+              <a:ext uri="{FF2B5EF4-FFF2-40B4-BE49-F238E27FC236}">
+                <a16:creationId xmlns:a16="http://schemas.microsoft.com/office/drawing/2014/main" id="{1C595299-74A8-3A40-5A36-8172CC4E7B0C}"/>
+              </a:ext>
+            </a:extLst>
+          </p:cNvPr>
+          <p:cNvPicPr>
+            <a:picLocks noChangeAspect="1"/>
+          </p:cNvPicPr>
+          <p:nvPr/>
+        </p:nvPicPr>
+        <p:blipFill>
+          <a:blip r:embed="rId2"/>
+          <a:stretch>
+            <a:fillRect/>
+          </a:stretch>
+        </p:blipFill>
+        <p:spPr>
+          <a:xfrm>
+            <a:off x="1843597" y="1008588"/>
+            <a:ext cx="8504806" cy="4840823"/>
+          </a:xfrm>
+          <a:prstGeom prst="rect">
+            <a:avLst/>
+          </a:prstGeom>
+        </p:spPr>
+      </p:pic>
     </p:spTree>
     <p:extLst>
       <p:ext uri="{BB962C8B-B14F-4D97-AF65-F5344CB8AC3E}">
-        <p14:creationId xmlns:p14="http://schemas.microsoft.com/office/powerpoint/2010/main" val="419147011"/>
+        <p14:creationId xmlns:p14="http://schemas.microsoft.com/office/powerpoint/2010/main" val="387399252"/>
       </p:ext>
     </p:extLst>
   </p:cSld>
@@ -3668,7 +4013,7 @@
           <p:cNvPr id="2" name="Title 1">
             <a:extLst>
               <a:ext uri="{FF2B5EF4-FFF2-40B4-BE49-F238E27FC236}">
-                <a16:creationId xmlns:a16="http://schemas.microsoft.com/office/drawing/2014/main" id="{C1E8EE31-D77E-B963-06C0-0B593444640A}"/>
+                <a16:creationId xmlns:a16="http://schemas.microsoft.com/office/drawing/2014/main" id="{65E5CDAB-5E99-7029-C60E-774F3940C864}"/>
               </a:ext>
             </a:extLst>
           </p:cNvPr>
@@ -3685,20 +4030,8 @@
           <a:lstStyle/>
           <a:p>
             <a:r>
-              <a:rPr lang="en-US" dirty="0" err="1"/>
-              <a:t>Vấn</a:t>
-            </a:r>
-            <a:r>
-              <a:rPr lang="en-US" dirty="0"/>
-              <a:t> </a:t>
-            </a:r>
-            <a:r>
-              <a:rPr lang="en-US" dirty="0" err="1"/>
-              <a:t>đề</a:t>
-            </a:r>
-            <a:r>
-              <a:rPr lang="en-US" dirty="0"/>
-              <a:t> yellow ở shades</a:t>
+              <a:rPr lang="en-US" dirty="0"/>
+              <a:t>Create index</a:t>
             </a:r>
           </a:p>
         </p:txBody>
@@ -3708,7 +4041,7 @@
           <p:cNvPr id="3" name="Content Placeholder 2">
             <a:extLst>
               <a:ext uri="{FF2B5EF4-FFF2-40B4-BE49-F238E27FC236}">
-                <a16:creationId xmlns:a16="http://schemas.microsoft.com/office/drawing/2014/main" id="{2509B316-6642-DA70-B759-025698F300A0}"/>
+                <a16:creationId xmlns:a16="http://schemas.microsoft.com/office/drawing/2014/main" id="{3BCED5D1-8878-8E72-2F2D-E03C70182489}"/>
               </a:ext>
             </a:extLst>
           </p:cNvPr>
@@ -3731,7 +4064,7 @@
     </p:spTree>
     <p:extLst>
       <p:ext uri="{BB962C8B-B14F-4D97-AF65-F5344CB8AC3E}">
-        <p14:creationId xmlns:p14="http://schemas.microsoft.com/office/powerpoint/2010/main" val="1646536776"/>
+        <p14:creationId xmlns:p14="http://schemas.microsoft.com/office/powerpoint/2010/main" val="2570667347"/>
       </p:ext>
     </p:extLst>
   </p:cSld>
@@ -3763,7 +4096,7 @@
           <p:cNvPr id="2" name="Title 1">
             <a:extLst>
               <a:ext uri="{FF2B5EF4-FFF2-40B4-BE49-F238E27FC236}">
-                <a16:creationId xmlns:a16="http://schemas.microsoft.com/office/drawing/2014/main" id="{E23FCE9C-5207-5EB6-518A-789E5103EC28}"/>
+                <a16:creationId xmlns:a16="http://schemas.microsoft.com/office/drawing/2014/main" id="{65E5CDAB-5E99-7029-C60E-774F3940C864}"/>
               </a:ext>
             </a:extLst>
           </p:cNvPr>
@@ -3781,7 +4114,7 @@
           <a:p>
             <a:r>
               <a:rPr lang="en-US" dirty="0"/>
-              <a:t>//Note</a:t>
+              <a:t>Create document</a:t>
             </a:r>
           </a:p>
         </p:txBody>
@@ -3791,7 +4124,7 @@
           <p:cNvPr id="3" name="Content Placeholder 2">
             <a:extLst>
               <a:ext uri="{FF2B5EF4-FFF2-40B4-BE49-F238E27FC236}">
-                <a16:creationId xmlns:a16="http://schemas.microsoft.com/office/drawing/2014/main" id="{265B5274-328B-67FF-3A5F-15565F582A4F}"/>
+                <a16:creationId xmlns:a16="http://schemas.microsoft.com/office/drawing/2014/main" id="{3BCED5D1-8878-8E72-2F2D-E03C70182489}"/>
               </a:ext>
             </a:extLst>
           </p:cNvPr>
@@ -3807,17 +4140,14 @@
           <a:bodyPr/>
           <a:lstStyle/>
           <a:p>
-            <a:r>
-              <a:rPr lang="en-US" dirty="0"/>
-              <a:t>https://prezi.com/p/i3radghwlytn/elasticsearch-ppt/</a:t>
-            </a:r>
+            <a:endParaRPr lang="en-US"/>
           </a:p>
         </p:txBody>
       </p:sp>
     </p:spTree>
     <p:extLst>
       <p:ext uri="{BB962C8B-B14F-4D97-AF65-F5344CB8AC3E}">
-        <p14:creationId xmlns:p14="http://schemas.microsoft.com/office/powerpoint/2010/main" val="824662581"/>
+        <p14:creationId xmlns:p14="http://schemas.microsoft.com/office/powerpoint/2010/main" val="1681903552"/>
       </p:ext>
     </p:extLst>
   </p:cSld>
@@ -3849,7 +4179,7 @@
           <p:cNvPr id="2" name="Title 1">
             <a:extLst>
               <a:ext uri="{FF2B5EF4-FFF2-40B4-BE49-F238E27FC236}">
-                <a16:creationId xmlns:a16="http://schemas.microsoft.com/office/drawing/2014/main" id="{F7322F33-AEA7-89B2-F390-443CA04D92D2}"/>
+                <a16:creationId xmlns:a16="http://schemas.microsoft.com/office/drawing/2014/main" id="{65E5CDAB-5E99-7029-C60E-774F3940C864}"/>
               </a:ext>
             </a:extLst>
           </p:cNvPr>
@@ -3867,7 +4197,7 @@
           <a:p>
             <a:r>
               <a:rPr lang="en-US" dirty="0"/>
-              <a:t>Kibana</a:t>
+              <a:t>Update document</a:t>
             </a:r>
           </a:p>
         </p:txBody>
@@ -3877,7 +4207,7 @@
           <p:cNvPr id="3" name="Content Placeholder 2">
             <a:extLst>
               <a:ext uri="{FF2B5EF4-FFF2-40B4-BE49-F238E27FC236}">
-                <a16:creationId xmlns:a16="http://schemas.microsoft.com/office/drawing/2014/main" id="{70D0C1AD-F044-8021-7C85-16DEFF3EC607}"/>
+                <a16:creationId xmlns:a16="http://schemas.microsoft.com/office/drawing/2014/main" id="{3BCED5D1-8878-8E72-2F2D-E03C70182489}"/>
               </a:ext>
             </a:extLst>
           </p:cNvPr>
@@ -3900,7 +4230,7 @@
     </p:spTree>
     <p:extLst>
       <p:ext uri="{BB962C8B-B14F-4D97-AF65-F5344CB8AC3E}">
-        <p14:creationId xmlns:p14="http://schemas.microsoft.com/office/powerpoint/2010/main" val="3238772458"/>
+        <p14:creationId xmlns:p14="http://schemas.microsoft.com/office/powerpoint/2010/main" val="134424348"/>
       </p:ext>
     </p:extLst>
   </p:cSld>
@@ -3932,7 +4262,7 @@
           <p:cNvPr id="2" name="Title 1">
             <a:extLst>
               <a:ext uri="{FF2B5EF4-FFF2-40B4-BE49-F238E27FC236}">
-                <a16:creationId xmlns:a16="http://schemas.microsoft.com/office/drawing/2014/main" id="{6B9D8A6B-D303-901D-3992-A3680DA77985}"/>
+                <a16:creationId xmlns:a16="http://schemas.microsoft.com/office/drawing/2014/main" id="{65E5CDAB-5E99-7029-C60E-774F3940C864}"/>
               </a:ext>
             </a:extLst>
           </p:cNvPr>
@@ -3949,74 +4279,9 @@
           <a:lstStyle/>
           <a:p>
             <a:r>
-              <a:rPr lang="en-US" dirty="0" err="1"/>
-              <a:t>Các</a:t>
-            </a:r>
-            <a:r>
-              <a:rPr lang="en-US" dirty="0"/>
-              <a:t> </a:t>
-            </a:r>
-            <a:r>
-              <a:rPr lang="en-US" dirty="0" err="1"/>
-              <a:t>dịch</a:t>
-            </a:r>
-            <a:r>
-              <a:rPr lang="en-US" dirty="0"/>
-              <a:t> </a:t>
-            </a:r>
-            <a:r>
-              <a:rPr lang="en-US" dirty="0" err="1"/>
-              <a:t>vụ</a:t>
-            </a:r>
-            <a:r>
-              <a:rPr lang="en-US" dirty="0"/>
-              <a:t>, </a:t>
-            </a:r>
-            <a:r>
-              <a:rPr lang="en-US" dirty="0" err="1"/>
-              <a:t>công</a:t>
-            </a:r>
-            <a:r>
-              <a:rPr lang="en-US" dirty="0"/>
-              <a:t> </a:t>
-            </a:r>
-            <a:r>
-              <a:rPr lang="en-US" dirty="0" err="1"/>
-              <a:t>cụ</a:t>
-            </a:r>
-            <a:r>
-              <a:rPr lang="en-US" dirty="0"/>
-              <a:t> </a:t>
-            </a:r>
-            <a:r>
-              <a:rPr lang="en-US" dirty="0" err="1"/>
-              <a:t>khác</a:t>
-            </a:r>
-            <a:r>
-              <a:rPr lang="en-US" dirty="0"/>
-              <a:t> </a:t>
-            </a:r>
-            <a:r>
-              <a:rPr lang="en-US" dirty="0" err="1"/>
-              <a:t>và</a:t>
-            </a:r>
-            <a:r>
-              <a:rPr lang="en-US" dirty="0"/>
-              <a:t> </a:t>
-            </a:r>
-            <a:r>
-              <a:rPr lang="en-US" dirty="0" err="1"/>
-              <a:t>ứng</a:t>
-            </a:r>
-            <a:r>
-              <a:rPr lang="en-US" dirty="0"/>
-              <a:t> </a:t>
-            </a:r>
-            <a:r>
-              <a:rPr lang="en-US" dirty="0" err="1"/>
-              <a:t>dụng</a:t>
-            </a:r>
-            <a:endParaRPr lang="en-US" dirty="0"/>
+              <a:rPr lang="en-US" dirty="0"/>
+              <a:t>Delete</a:t>
+            </a:r>
           </a:p>
         </p:txBody>
       </p:sp>
@@ -4025,7 +4290,7 @@
           <p:cNvPr id="3" name="Content Placeholder 2">
             <a:extLst>
               <a:ext uri="{FF2B5EF4-FFF2-40B4-BE49-F238E27FC236}">
-                <a16:creationId xmlns:a16="http://schemas.microsoft.com/office/drawing/2014/main" id="{1FAD6130-53A6-AA6E-B715-BBC587CBB4A8}"/>
+                <a16:creationId xmlns:a16="http://schemas.microsoft.com/office/drawing/2014/main" id="{3BCED5D1-8878-8E72-2F2D-E03C70182489}"/>
               </a:ext>
             </a:extLst>
           </p:cNvPr>
@@ -4041,29 +4306,14 @@
           <a:bodyPr/>
           <a:lstStyle/>
           <a:p>
-            <a:r>
-              <a:rPr lang="en-US" dirty="0"/>
-              <a:t>Analytic</a:t>
-            </a:r>
-          </a:p>
-          <a:p>
-            <a:r>
-              <a:rPr lang="en-US" dirty="0"/>
-              <a:t>Machine learning</a:t>
-            </a:r>
-          </a:p>
-          <a:p>
-            <a:r>
-              <a:rPr lang="en-US" dirty="0"/>
-              <a:t>VV</a:t>
-            </a:r>
+            <a:endParaRPr lang="en-US"/>
           </a:p>
         </p:txBody>
       </p:sp>
     </p:spTree>
     <p:extLst>
       <p:ext uri="{BB962C8B-B14F-4D97-AF65-F5344CB8AC3E}">
-        <p14:creationId xmlns:p14="http://schemas.microsoft.com/office/powerpoint/2010/main" val="1913016583"/>
+        <p14:creationId xmlns:p14="http://schemas.microsoft.com/office/powerpoint/2010/main" val="2641907112"/>
       </p:ext>
     </p:extLst>
   </p:cSld>
@@ -4095,7 +4345,7 @@
           <p:cNvPr id="2" name="Title 1">
             <a:extLst>
               <a:ext uri="{FF2B5EF4-FFF2-40B4-BE49-F238E27FC236}">
-                <a16:creationId xmlns:a16="http://schemas.microsoft.com/office/drawing/2014/main" id="{0345329F-EF80-3E89-EFF9-D301A8D33338}"/>
+                <a16:creationId xmlns:a16="http://schemas.microsoft.com/office/drawing/2014/main" id="{65E5CDAB-5E99-7029-C60E-774F3940C864}"/>
               </a:ext>
             </a:extLst>
           </p:cNvPr>
@@ -4112,8 +4362,8 @@
           <a:lstStyle/>
           <a:p>
             <a:r>
-              <a:rPr lang="en-US"/>
-              <a:t>Demo</a:t>
+              <a:rPr lang="en-US" dirty="0"/>
+              <a:t>Shade</a:t>
             </a:r>
           </a:p>
         </p:txBody>
@@ -4123,7 +4373,7 @@
           <p:cNvPr id="3" name="Content Placeholder 2">
             <a:extLst>
               <a:ext uri="{FF2B5EF4-FFF2-40B4-BE49-F238E27FC236}">
-                <a16:creationId xmlns:a16="http://schemas.microsoft.com/office/drawing/2014/main" id="{AEFF791E-E200-13B2-372E-F9B79119FA76}"/>
+                <a16:creationId xmlns:a16="http://schemas.microsoft.com/office/drawing/2014/main" id="{3BCED5D1-8878-8E72-2F2D-E03C70182489}"/>
               </a:ext>
             </a:extLst>
           </p:cNvPr>
@@ -4146,7 +4396,185 @@
     </p:spTree>
     <p:extLst>
       <p:ext uri="{BB962C8B-B14F-4D97-AF65-F5344CB8AC3E}">
-        <p14:creationId xmlns:p14="http://schemas.microsoft.com/office/powerpoint/2010/main" val="2047117910"/>
+        <p14:creationId xmlns:p14="http://schemas.microsoft.com/office/powerpoint/2010/main" val="1093253721"/>
+      </p:ext>
+    </p:extLst>
+  </p:cSld>
+  <p:clrMapOvr>
+    <a:masterClrMapping/>
+  </p:clrMapOvr>
+</p:sld>
+</file>
+
+<file path=ppt/slides/slide18.xml><?xml version="1.0" encoding="utf-8"?>
+<p:sld xmlns:a="http://schemas.openxmlformats.org/drawingml/2006/main" xmlns:r="http://schemas.openxmlformats.org/officeDocument/2006/relationships" xmlns:p="http://schemas.openxmlformats.org/presentationml/2006/main">
+  <p:cSld>
+    <p:spTree>
+      <p:nvGrpSpPr>
+        <p:cNvPr id="1" name=""/>
+        <p:cNvGrpSpPr/>
+        <p:nvPr/>
+      </p:nvGrpSpPr>
+      <p:grpSpPr>
+        <a:xfrm>
+          <a:off x="0" y="0"/>
+          <a:ext cx="0" cy="0"/>
+          <a:chOff x="0" y="0"/>
+          <a:chExt cx="0" cy="0"/>
+        </a:xfrm>
+      </p:grpSpPr>
+      <p:sp>
+        <p:nvSpPr>
+          <p:cNvPr id="2" name="Title 1">
+            <a:extLst>
+              <a:ext uri="{FF2B5EF4-FFF2-40B4-BE49-F238E27FC236}">
+                <a16:creationId xmlns:a16="http://schemas.microsoft.com/office/drawing/2014/main" id="{94AA0663-42CF-3C27-DE48-FF96ABAFA89E}"/>
+              </a:ext>
+            </a:extLst>
+          </p:cNvPr>
+          <p:cNvSpPr>
+            <a:spLocks noGrp="1"/>
+          </p:cNvSpPr>
+          <p:nvPr>
+            <p:ph type="title"/>
+          </p:nvPr>
+        </p:nvSpPr>
+        <p:spPr/>
+        <p:txBody>
+          <a:bodyPr/>
+          <a:lstStyle/>
+          <a:p>
+            <a:r>
+              <a:rPr lang="en-US" dirty="0"/>
+              <a:t>Query</a:t>
+            </a:r>
+          </a:p>
+        </p:txBody>
+      </p:sp>
+      <p:sp>
+        <p:nvSpPr>
+          <p:cNvPr id="3" name="Content Placeholder 2">
+            <a:extLst>
+              <a:ext uri="{FF2B5EF4-FFF2-40B4-BE49-F238E27FC236}">
+                <a16:creationId xmlns:a16="http://schemas.microsoft.com/office/drawing/2014/main" id="{2E03917A-D574-7D03-0FC8-CFFFA941C406}"/>
+              </a:ext>
+            </a:extLst>
+          </p:cNvPr>
+          <p:cNvSpPr>
+            <a:spLocks noGrp="1"/>
+          </p:cNvSpPr>
+          <p:nvPr>
+            <p:ph idx="1"/>
+          </p:nvPr>
+        </p:nvSpPr>
+        <p:spPr/>
+        <p:txBody>
+          <a:bodyPr/>
+          <a:lstStyle/>
+          <a:p>
+            <a:endParaRPr lang="en-US"/>
+          </a:p>
+        </p:txBody>
+      </p:sp>
+    </p:spTree>
+    <p:extLst>
+      <p:ext uri="{BB962C8B-B14F-4D97-AF65-F5344CB8AC3E}">
+        <p14:creationId xmlns:p14="http://schemas.microsoft.com/office/powerpoint/2010/main" val="419147011"/>
+      </p:ext>
+    </p:extLst>
+  </p:cSld>
+  <p:clrMapOvr>
+    <a:masterClrMapping/>
+  </p:clrMapOvr>
+</p:sld>
+</file>
+
+<file path=ppt/slides/slide19.xml><?xml version="1.0" encoding="utf-8"?>
+<p:sld xmlns:a="http://schemas.openxmlformats.org/drawingml/2006/main" xmlns:r="http://schemas.openxmlformats.org/officeDocument/2006/relationships" xmlns:p="http://schemas.openxmlformats.org/presentationml/2006/main">
+  <p:cSld>
+    <p:spTree>
+      <p:nvGrpSpPr>
+        <p:cNvPr id="1" name=""/>
+        <p:cNvGrpSpPr/>
+        <p:nvPr/>
+      </p:nvGrpSpPr>
+      <p:grpSpPr>
+        <a:xfrm>
+          <a:off x="0" y="0"/>
+          <a:ext cx="0" cy="0"/>
+          <a:chOff x="0" y="0"/>
+          <a:chExt cx="0" cy="0"/>
+        </a:xfrm>
+      </p:grpSpPr>
+      <p:sp>
+        <p:nvSpPr>
+          <p:cNvPr id="2" name="Title 1">
+            <a:extLst>
+              <a:ext uri="{FF2B5EF4-FFF2-40B4-BE49-F238E27FC236}">
+                <a16:creationId xmlns:a16="http://schemas.microsoft.com/office/drawing/2014/main" id="{C1E8EE31-D77E-B963-06C0-0B593444640A}"/>
+              </a:ext>
+            </a:extLst>
+          </p:cNvPr>
+          <p:cNvSpPr>
+            <a:spLocks noGrp="1"/>
+          </p:cNvSpPr>
+          <p:nvPr>
+            <p:ph type="title"/>
+          </p:nvPr>
+        </p:nvSpPr>
+        <p:spPr/>
+        <p:txBody>
+          <a:bodyPr/>
+          <a:lstStyle/>
+          <a:p>
+            <a:r>
+              <a:rPr lang="en-US" dirty="0" err="1"/>
+              <a:t>Vấn</a:t>
+            </a:r>
+            <a:r>
+              <a:rPr lang="en-US" dirty="0"/>
+              <a:t> </a:t>
+            </a:r>
+            <a:r>
+              <a:rPr lang="en-US" dirty="0" err="1"/>
+              <a:t>đề</a:t>
+            </a:r>
+            <a:r>
+              <a:rPr lang="en-US" dirty="0"/>
+              <a:t> yellow ở shades</a:t>
+            </a:r>
+          </a:p>
+        </p:txBody>
+      </p:sp>
+      <p:sp>
+        <p:nvSpPr>
+          <p:cNvPr id="3" name="Content Placeholder 2">
+            <a:extLst>
+              <a:ext uri="{FF2B5EF4-FFF2-40B4-BE49-F238E27FC236}">
+                <a16:creationId xmlns:a16="http://schemas.microsoft.com/office/drawing/2014/main" id="{2509B316-6642-DA70-B759-025698F300A0}"/>
+              </a:ext>
+            </a:extLst>
+          </p:cNvPr>
+          <p:cNvSpPr>
+            <a:spLocks noGrp="1"/>
+          </p:cNvSpPr>
+          <p:nvPr>
+            <p:ph idx="1"/>
+          </p:nvPr>
+        </p:nvSpPr>
+        <p:spPr/>
+        <p:txBody>
+          <a:bodyPr/>
+          <a:lstStyle/>
+          <a:p>
+            <a:endParaRPr lang="en-US"/>
+          </a:p>
+        </p:txBody>
+      </p:sp>
+    </p:spTree>
+    <p:extLst>
+      <p:ext uri="{BB962C8B-B14F-4D97-AF65-F5344CB8AC3E}">
+        <p14:creationId xmlns:p14="http://schemas.microsoft.com/office/powerpoint/2010/main" val="1646536776"/>
       </p:ext>
     </p:extLst>
   </p:cSld>
@@ -4175,71 +4603,39 @@
       </p:grpSpPr>
       <p:sp>
         <p:nvSpPr>
-          <p:cNvPr id="2" name="Title 1">
-            <a:extLst>
-              <a:ext uri="{FF2B5EF4-FFF2-40B4-BE49-F238E27FC236}">
-                <a16:creationId xmlns:a16="http://schemas.microsoft.com/office/drawing/2014/main" id="{CBB4AB78-2D51-A3E8-005E-0B014EF63565}"/>
-              </a:ext>
-            </a:extLst>
-          </p:cNvPr>
-          <p:cNvSpPr>
-            <a:spLocks noGrp="1"/>
-          </p:cNvSpPr>
-          <p:nvPr>
-            <p:ph type="title"/>
-          </p:nvPr>
-        </p:nvSpPr>
-        <p:spPr/>
+          <p:cNvPr id="3" name="Content Placeholder 2">
+            <a:extLst>
+              <a:ext uri="{FF2B5EF4-FFF2-40B4-BE49-F238E27FC236}">
+                <a16:creationId xmlns:a16="http://schemas.microsoft.com/office/drawing/2014/main" id="{38C818D1-FC78-BF35-A703-F957C1D6F14D}"/>
+              </a:ext>
+            </a:extLst>
+          </p:cNvPr>
+          <p:cNvSpPr>
+            <a:spLocks noGrp="1"/>
+          </p:cNvSpPr>
+          <p:nvPr>
+            <p:ph idx="1"/>
+          </p:nvPr>
+        </p:nvSpPr>
+        <p:spPr>
+          <a:xfrm>
+            <a:off x="838200" y="1346231"/>
+            <a:ext cx="10515600" cy="4351338"/>
+          </a:xfrm>
+        </p:spPr>
         <p:txBody>
           <a:bodyPr/>
           <a:lstStyle/>
           <a:p>
-            <a:endParaRPr lang="en-US"/>
-          </a:p>
-        </p:txBody>
-      </p:sp>
-      <p:sp>
-        <p:nvSpPr>
-          <p:cNvPr id="3" name="Content Placeholder 2">
-            <a:extLst>
-              <a:ext uri="{FF2B5EF4-FFF2-40B4-BE49-F238E27FC236}">
-                <a16:creationId xmlns:a16="http://schemas.microsoft.com/office/drawing/2014/main" id="{38C818D1-FC78-BF35-A703-F957C1D6F14D}"/>
-              </a:ext>
-            </a:extLst>
-          </p:cNvPr>
-          <p:cNvSpPr>
-            <a:spLocks noGrp="1"/>
-          </p:cNvSpPr>
-          <p:nvPr>
-            <p:ph idx="1"/>
-          </p:nvPr>
-        </p:nvSpPr>
-        <p:spPr/>
-        <p:txBody>
-          <a:bodyPr/>
-          <a:lstStyle/>
-          <a:p>
-            <a:r>
-              <a:rPr lang="en-US" dirty="0" err="1"/>
-              <a:t>Giới</a:t>
-            </a:r>
-            <a:r>
-              <a:rPr lang="en-US" dirty="0"/>
-              <a:t> </a:t>
-            </a:r>
-            <a:r>
-              <a:rPr lang="en-US" dirty="0" err="1"/>
-              <a:t>thiệu</a:t>
-            </a:r>
-            <a:r>
-              <a:rPr lang="en-US" dirty="0"/>
-              <a:t> </a:t>
-            </a:r>
-            <a:r>
-              <a:rPr lang="en-US" dirty="0" err="1"/>
-              <a:t>chung</a:t>
-            </a:r>
-            <a:endParaRPr lang="en-US" dirty="0"/>
+            <a:r>
+              <a:rPr lang="en-US" dirty="0">
+                <a:solidFill>
+                  <a:srgbClr val="252525"/>
+                </a:solidFill>
+                <a:latin typeface="Roboto" panose="02000000000000000000" pitchFamily="2" charset="0"/>
+              </a:rPr>
+              <a:t>Introduction </a:t>
+            </a:r>
           </a:p>
           <a:p>
             <a:r>
@@ -4252,6 +4648,42 @@
               </a:rPr>
               <a:t>Elasticsearch architecture</a:t>
             </a:r>
+          </a:p>
+          <a:p>
+            <a:r>
+              <a:rPr lang="en-US" dirty="0">
+                <a:solidFill>
+                  <a:srgbClr val="252525"/>
+                </a:solidFill>
+                <a:latin typeface="Roboto" panose="02000000000000000000" pitchFamily="2" charset="0"/>
+              </a:rPr>
+              <a:t>Component</a:t>
+            </a:r>
+          </a:p>
+          <a:p>
+            <a:r>
+              <a:rPr lang="en-US" dirty="0">
+                <a:solidFill>
+                  <a:srgbClr val="252525"/>
+                </a:solidFill>
+                <a:latin typeface="Roboto" panose="02000000000000000000" pitchFamily="2" charset="0"/>
+              </a:rPr>
+              <a:t>Query</a:t>
+            </a:r>
+          </a:p>
+          <a:p>
+            <a:r>
+              <a:rPr lang="en-US" dirty="0">
+                <a:solidFill>
+                  <a:srgbClr val="252525"/>
+                </a:solidFill>
+                <a:latin typeface="Roboto" panose="02000000000000000000" pitchFamily="2" charset="0"/>
+              </a:rPr>
+              <a:t>Demo</a:t>
+            </a:r>
+            <a:endParaRPr lang="en-US" dirty="0"/>
+          </a:p>
+          <a:p>
             <a:endParaRPr lang="en-US" dirty="0"/>
           </a:p>
         </p:txBody>
@@ -4260,6 +4692,421 @@
     <p:extLst>
       <p:ext uri="{BB962C8B-B14F-4D97-AF65-F5344CB8AC3E}">
         <p14:creationId xmlns:p14="http://schemas.microsoft.com/office/powerpoint/2010/main" val="968580056"/>
+      </p:ext>
+    </p:extLst>
+  </p:cSld>
+  <p:clrMapOvr>
+    <a:masterClrMapping/>
+  </p:clrMapOvr>
+</p:sld>
+</file>
+
+<file path=ppt/slides/slide20.xml><?xml version="1.0" encoding="utf-8"?>
+<p:sld xmlns:a="http://schemas.openxmlformats.org/drawingml/2006/main" xmlns:r="http://schemas.openxmlformats.org/officeDocument/2006/relationships" xmlns:p="http://schemas.openxmlformats.org/presentationml/2006/main">
+  <p:cSld>
+    <p:spTree>
+      <p:nvGrpSpPr>
+        <p:cNvPr id="1" name=""/>
+        <p:cNvGrpSpPr/>
+        <p:nvPr/>
+      </p:nvGrpSpPr>
+      <p:grpSpPr>
+        <a:xfrm>
+          <a:off x="0" y="0"/>
+          <a:ext cx="0" cy="0"/>
+          <a:chOff x="0" y="0"/>
+          <a:chExt cx="0" cy="0"/>
+        </a:xfrm>
+      </p:grpSpPr>
+      <p:sp>
+        <p:nvSpPr>
+          <p:cNvPr id="2" name="Title 1">
+            <a:extLst>
+              <a:ext uri="{FF2B5EF4-FFF2-40B4-BE49-F238E27FC236}">
+                <a16:creationId xmlns:a16="http://schemas.microsoft.com/office/drawing/2014/main" id="{E23FCE9C-5207-5EB6-518A-789E5103EC28}"/>
+              </a:ext>
+            </a:extLst>
+          </p:cNvPr>
+          <p:cNvSpPr>
+            <a:spLocks noGrp="1"/>
+          </p:cNvSpPr>
+          <p:nvPr>
+            <p:ph type="title"/>
+          </p:nvPr>
+        </p:nvSpPr>
+        <p:spPr/>
+        <p:txBody>
+          <a:bodyPr/>
+          <a:lstStyle/>
+          <a:p>
+            <a:r>
+              <a:rPr lang="en-US" dirty="0"/>
+              <a:t>//Note</a:t>
+            </a:r>
+          </a:p>
+        </p:txBody>
+      </p:sp>
+      <p:sp>
+        <p:nvSpPr>
+          <p:cNvPr id="3" name="Content Placeholder 2">
+            <a:extLst>
+              <a:ext uri="{FF2B5EF4-FFF2-40B4-BE49-F238E27FC236}">
+                <a16:creationId xmlns:a16="http://schemas.microsoft.com/office/drawing/2014/main" id="{265B5274-328B-67FF-3A5F-15565F582A4F}"/>
+              </a:ext>
+            </a:extLst>
+          </p:cNvPr>
+          <p:cNvSpPr>
+            <a:spLocks noGrp="1"/>
+          </p:cNvSpPr>
+          <p:nvPr>
+            <p:ph idx="1"/>
+          </p:nvPr>
+        </p:nvSpPr>
+        <p:spPr/>
+        <p:txBody>
+          <a:bodyPr/>
+          <a:lstStyle/>
+          <a:p>
+            <a:r>
+              <a:rPr lang="en-US" dirty="0"/>
+              <a:t>https://prezi.com/p/i3radghwlytn/elasticsearch-ppt/</a:t>
+            </a:r>
+          </a:p>
+        </p:txBody>
+      </p:sp>
+    </p:spTree>
+    <p:extLst>
+      <p:ext uri="{BB962C8B-B14F-4D97-AF65-F5344CB8AC3E}">
+        <p14:creationId xmlns:p14="http://schemas.microsoft.com/office/powerpoint/2010/main" val="824662581"/>
+      </p:ext>
+    </p:extLst>
+  </p:cSld>
+  <p:clrMapOvr>
+    <a:masterClrMapping/>
+  </p:clrMapOvr>
+</p:sld>
+</file>
+
+<file path=ppt/slides/slide21.xml><?xml version="1.0" encoding="utf-8"?>
+<p:sld xmlns:a="http://schemas.openxmlformats.org/drawingml/2006/main" xmlns:r="http://schemas.openxmlformats.org/officeDocument/2006/relationships" xmlns:p="http://schemas.openxmlformats.org/presentationml/2006/main">
+  <p:cSld>
+    <p:spTree>
+      <p:nvGrpSpPr>
+        <p:cNvPr id="1" name=""/>
+        <p:cNvGrpSpPr/>
+        <p:nvPr/>
+      </p:nvGrpSpPr>
+      <p:grpSpPr>
+        <a:xfrm>
+          <a:off x="0" y="0"/>
+          <a:ext cx="0" cy="0"/>
+          <a:chOff x="0" y="0"/>
+          <a:chExt cx="0" cy="0"/>
+        </a:xfrm>
+      </p:grpSpPr>
+      <p:sp>
+        <p:nvSpPr>
+          <p:cNvPr id="2" name="Title 1">
+            <a:extLst>
+              <a:ext uri="{FF2B5EF4-FFF2-40B4-BE49-F238E27FC236}">
+                <a16:creationId xmlns:a16="http://schemas.microsoft.com/office/drawing/2014/main" id="{F7322F33-AEA7-89B2-F390-443CA04D92D2}"/>
+              </a:ext>
+            </a:extLst>
+          </p:cNvPr>
+          <p:cNvSpPr>
+            <a:spLocks noGrp="1"/>
+          </p:cNvSpPr>
+          <p:nvPr>
+            <p:ph type="title"/>
+          </p:nvPr>
+        </p:nvSpPr>
+        <p:spPr/>
+        <p:txBody>
+          <a:bodyPr/>
+          <a:lstStyle/>
+          <a:p>
+            <a:r>
+              <a:rPr lang="en-US" dirty="0"/>
+              <a:t>Kibana</a:t>
+            </a:r>
+          </a:p>
+        </p:txBody>
+      </p:sp>
+      <p:sp>
+        <p:nvSpPr>
+          <p:cNvPr id="3" name="Content Placeholder 2">
+            <a:extLst>
+              <a:ext uri="{FF2B5EF4-FFF2-40B4-BE49-F238E27FC236}">
+                <a16:creationId xmlns:a16="http://schemas.microsoft.com/office/drawing/2014/main" id="{70D0C1AD-F044-8021-7C85-16DEFF3EC607}"/>
+              </a:ext>
+            </a:extLst>
+          </p:cNvPr>
+          <p:cNvSpPr>
+            <a:spLocks noGrp="1"/>
+          </p:cNvSpPr>
+          <p:nvPr>
+            <p:ph idx="1"/>
+          </p:nvPr>
+        </p:nvSpPr>
+        <p:spPr/>
+        <p:txBody>
+          <a:bodyPr/>
+          <a:lstStyle/>
+          <a:p>
+            <a:endParaRPr lang="en-US"/>
+          </a:p>
+        </p:txBody>
+      </p:sp>
+    </p:spTree>
+    <p:extLst>
+      <p:ext uri="{BB962C8B-B14F-4D97-AF65-F5344CB8AC3E}">
+        <p14:creationId xmlns:p14="http://schemas.microsoft.com/office/powerpoint/2010/main" val="3238772458"/>
+      </p:ext>
+    </p:extLst>
+  </p:cSld>
+  <p:clrMapOvr>
+    <a:masterClrMapping/>
+  </p:clrMapOvr>
+</p:sld>
+</file>
+
+<file path=ppt/slides/slide22.xml><?xml version="1.0" encoding="utf-8"?>
+<p:sld xmlns:a="http://schemas.openxmlformats.org/drawingml/2006/main" xmlns:r="http://schemas.openxmlformats.org/officeDocument/2006/relationships" xmlns:p="http://schemas.openxmlformats.org/presentationml/2006/main">
+  <p:cSld>
+    <p:spTree>
+      <p:nvGrpSpPr>
+        <p:cNvPr id="1" name=""/>
+        <p:cNvGrpSpPr/>
+        <p:nvPr/>
+      </p:nvGrpSpPr>
+      <p:grpSpPr>
+        <a:xfrm>
+          <a:off x="0" y="0"/>
+          <a:ext cx="0" cy="0"/>
+          <a:chOff x="0" y="0"/>
+          <a:chExt cx="0" cy="0"/>
+        </a:xfrm>
+      </p:grpSpPr>
+      <p:sp>
+        <p:nvSpPr>
+          <p:cNvPr id="2" name="Title 1">
+            <a:extLst>
+              <a:ext uri="{FF2B5EF4-FFF2-40B4-BE49-F238E27FC236}">
+                <a16:creationId xmlns:a16="http://schemas.microsoft.com/office/drawing/2014/main" id="{6B9D8A6B-D303-901D-3992-A3680DA77985}"/>
+              </a:ext>
+            </a:extLst>
+          </p:cNvPr>
+          <p:cNvSpPr>
+            <a:spLocks noGrp="1"/>
+          </p:cNvSpPr>
+          <p:nvPr>
+            <p:ph type="title"/>
+          </p:nvPr>
+        </p:nvSpPr>
+        <p:spPr/>
+        <p:txBody>
+          <a:bodyPr/>
+          <a:lstStyle/>
+          <a:p>
+            <a:r>
+              <a:rPr lang="en-US" dirty="0" err="1"/>
+              <a:t>Các</a:t>
+            </a:r>
+            <a:r>
+              <a:rPr lang="en-US" dirty="0"/>
+              <a:t> </a:t>
+            </a:r>
+            <a:r>
+              <a:rPr lang="en-US" dirty="0" err="1"/>
+              <a:t>dịch</a:t>
+            </a:r>
+            <a:r>
+              <a:rPr lang="en-US" dirty="0"/>
+              <a:t> </a:t>
+            </a:r>
+            <a:r>
+              <a:rPr lang="en-US" dirty="0" err="1"/>
+              <a:t>vụ</a:t>
+            </a:r>
+            <a:r>
+              <a:rPr lang="en-US" dirty="0"/>
+              <a:t>, </a:t>
+            </a:r>
+            <a:r>
+              <a:rPr lang="en-US" dirty="0" err="1"/>
+              <a:t>công</a:t>
+            </a:r>
+            <a:r>
+              <a:rPr lang="en-US" dirty="0"/>
+              <a:t> </a:t>
+            </a:r>
+            <a:r>
+              <a:rPr lang="en-US" dirty="0" err="1"/>
+              <a:t>cụ</a:t>
+            </a:r>
+            <a:r>
+              <a:rPr lang="en-US" dirty="0"/>
+              <a:t> </a:t>
+            </a:r>
+            <a:r>
+              <a:rPr lang="en-US" dirty="0" err="1"/>
+              <a:t>khác</a:t>
+            </a:r>
+            <a:r>
+              <a:rPr lang="en-US" dirty="0"/>
+              <a:t> </a:t>
+            </a:r>
+            <a:r>
+              <a:rPr lang="en-US" dirty="0" err="1"/>
+              <a:t>và</a:t>
+            </a:r>
+            <a:r>
+              <a:rPr lang="en-US" dirty="0"/>
+              <a:t> </a:t>
+            </a:r>
+            <a:r>
+              <a:rPr lang="en-US" dirty="0" err="1"/>
+              <a:t>ứng</a:t>
+            </a:r>
+            <a:r>
+              <a:rPr lang="en-US" dirty="0"/>
+              <a:t> </a:t>
+            </a:r>
+            <a:r>
+              <a:rPr lang="en-US" dirty="0" err="1"/>
+              <a:t>dụng</a:t>
+            </a:r>
+            <a:endParaRPr lang="en-US" dirty="0"/>
+          </a:p>
+        </p:txBody>
+      </p:sp>
+      <p:sp>
+        <p:nvSpPr>
+          <p:cNvPr id="3" name="Content Placeholder 2">
+            <a:extLst>
+              <a:ext uri="{FF2B5EF4-FFF2-40B4-BE49-F238E27FC236}">
+                <a16:creationId xmlns:a16="http://schemas.microsoft.com/office/drawing/2014/main" id="{1FAD6130-53A6-AA6E-B715-BBC587CBB4A8}"/>
+              </a:ext>
+            </a:extLst>
+          </p:cNvPr>
+          <p:cNvSpPr>
+            <a:spLocks noGrp="1"/>
+          </p:cNvSpPr>
+          <p:nvPr>
+            <p:ph idx="1"/>
+          </p:nvPr>
+        </p:nvSpPr>
+        <p:spPr/>
+        <p:txBody>
+          <a:bodyPr/>
+          <a:lstStyle/>
+          <a:p>
+            <a:r>
+              <a:rPr lang="en-US" dirty="0"/>
+              <a:t>Analytic</a:t>
+            </a:r>
+          </a:p>
+          <a:p>
+            <a:r>
+              <a:rPr lang="en-US" dirty="0"/>
+              <a:t>Machine learning</a:t>
+            </a:r>
+          </a:p>
+          <a:p>
+            <a:r>
+              <a:rPr lang="en-US" dirty="0"/>
+              <a:t>VV</a:t>
+            </a:r>
+          </a:p>
+        </p:txBody>
+      </p:sp>
+    </p:spTree>
+    <p:extLst>
+      <p:ext uri="{BB962C8B-B14F-4D97-AF65-F5344CB8AC3E}">
+        <p14:creationId xmlns:p14="http://schemas.microsoft.com/office/powerpoint/2010/main" val="1913016583"/>
+      </p:ext>
+    </p:extLst>
+  </p:cSld>
+  <p:clrMapOvr>
+    <a:masterClrMapping/>
+  </p:clrMapOvr>
+</p:sld>
+</file>
+
+<file path=ppt/slides/slide23.xml><?xml version="1.0" encoding="utf-8"?>
+<p:sld xmlns:a="http://schemas.openxmlformats.org/drawingml/2006/main" xmlns:r="http://schemas.openxmlformats.org/officeDocument/2006/relationships" xmlns:p="http://schemas.openxmlformats.org/presentationml/2006/main">
+  <p:cSld>
+    <p:spTree>
+      <p:nvGrpSpPr>
+        <p:cNvPr id="1" name=""/>
+        <p:cNvGrpSpPr/>
+        <p:nvPr/>
+      </p:nvGrpSpPr>
+      <p:grpSpPr>
+        <a:xfrm>
+          <a:off x="0" y="0"/>
+          <a:ext cx="0" cy="0"/>
+          <a:chOff x="0" y="0"/>
+          <a:chExt cx="0" cy="0"/>
+        </a:xfrm>
+      </p:grpSpPr>
+      <p:sp>
+        <p:nvSpPr>
+          <p:cNvPr id="2" name="Title 1">
+            <a:extLst>
+              <a:ext uri="{FF2B5EF4-FFF2-40B4-BE49-F238E27FC236}">
+                <a16:creationId xmlns:a16="http://schemas.microsoft.com/office/drawing/2014/main" id="{0345329F-EF80-3E89-EFF9-D301A8D33338}"/>
+              </a:ext>
+            </a:extLst>
+          </p:cNvPr>
+          <p:cNvSpPr>
+            <a:spLocks noGrp="1"/>
+          </p:cNvSpPr>
+          <p:nvPr>
+            <p:ph type="title"/>
+          </p:nvPr>
+        </p:nvSpPr>
+        <p:spPr/>
+        <p:txBody>
+          <a:bodyPr/>
+          <a:lstStyle/>
+          <a:p>
+            <a:r>
+              <a:rPr lang="en-US"/>
+              <a:t>Demo</a:t>
+            </a:r>
+          </a:p>
+        </p:txBody>
+      </p:sp>
+      <p:sp>
+        <p:nvSpPr>
+          <p:cNvPr id="3" name="Content Placeholder 2">
+            <a:extLst>
+              <a:ext uri="{FF2B5EF4-FFF2-40B4-BE49-F238E27FC236}">
+                <a16:creationId xmlns:a16="http://schemas.microsoft.com/office/drawing/2014/main" id="{AEFF791E-E200-13B2-372E-F9B79119FA76}"/>
+              </a:ext>
+            </a:extLst>
+          </p:cNvPr>
+          <p:cNvSpPr>
+            <a:spLocks noGrp="1"/>
+          </p:cNvSpPr>
+          <p:nvPr>
+            <p:ph idx="1"/>
+          </p:nvPr>
+        </p:nvSpPr>
+        <p:spPr/>
+        <p:txBody>
+          <a:bodyPr/>
+          <a:lstStyle/>
+          <a:p>
+            <a:endParaRPr lang="en-US"/>
+          </a:p>
+        </p:txBody>
+      </p:sp>
+    </p:spTree>
+    <p:extLst>
+      <p:ext uri="{BB962C8B-B14F-4D97-AF65-F5344CB8AC3E}">
+        <p14:creationId xmlns:p14="http://schemas.microsoft.com/office/powerpoint/2010/main" val="2047117910"/>
       </p:ext>
     </p:extLst>
   </p:cSld>
@@ -4332,53 +5179,329 @@
         </p:nvSpPr>
         <p:spPr/>
         <p:txBody>
-          <a:bodyPr/>
-          <a:lstStyle/>
-          <a:p>
-            <a:r>
-              <a:rPr lang="en-US" dirty="0"/>
+          <a:bodyPr>
+            <a:normAutofit/>
+          </a:bodyPr>
+          <a:lstStyle/>
+          <a:p>
+            <a:r>
+              <a:rPr lang="en-US" dirty="0">
+                <a:latin typeface="Calibri (Body)"/>
+              </a:rPr>
               <a:t>2010</a:t>
             </a:r>
           </a:p>
           <a:p>
             <a:r>
-              <a:rPr lang="vi-VN" dirty="0"/>
-              <a:t>Nó được xây dựng trên nền tảng Apache Lucene, một thư viện tìm kiếm full-text mạnh mẽ. Elasticsearch cung cấp khả năng tìm kiếm nhanh chóng, phân tích dữ liệu và xử lý truy vấn phức tạp trên tập dữ liệu lớn.</a:t>
-            </a:r>
-            <a:endParaRPr lang="en-US" dirty="0"/>
-          </a:p>
-        </p:txBody>
-      </p:sp>
-      <p:pic>
-        <p:nvPicPr>
-          <p:cNvPr id="5" name="Picture 4">
-            <a:extLst>
-              <a:ext uri="{FF2B5EF4-FFF2-40B4-BE49-F238E27FC236}">
-                <a16:creationId xmlns:a16="http://schemas.microsoft.com/office/drawing/2014/main" id="{A8420A91-B279-99ED-ACFF-2856AB7EEF5C}"/>
-              </a:ext>
-            </a:extLst>
-          </p:cNvPr>
-          <p:cNvPicPr>
-            <a:picLocks noChangeAspect="1"/>
-          </p:cNvPicPr>
-          <p:nvPr/>
-        </p:nvPicPr>
-        <p:blipFill>
-          <a:blip r:embed="rId2"/>
-          <a:stretch>
-            <a:fillRect/>
-          </a:stretch>
-        </p:blipFill>
-        <p:spPr>
-          <a:xfrm>
-            <a:off x="6424682" y="2957064"/>
-            <a:ext cx="4296375" cy="3219899"/>
-          </a:xfrm>
-          <a:prstGeom prst="rect">
-            <a:avLst/>
-          </a:prstGeom>
-        </p:spPr>
-      </p:pic>
+              <a:rPr lang="vi-VN" dirty="0">
+                <a:latin typeface="Calibri (Body)"/>
+              </a:rPr>
+              <a:t>Apache Lucene</a:t>
+            </a:r>
+            <a:r>
+              <a:rPr lang="en-US" dirty="0">
+                <a:latin typeface="Calibri (Body)"/>
+              </a:rPr>
+              <a:t> (</a:t>
+            </a:r>
+            <a:r>
+              <a:rPr lang="en-US" dirty="0" err="1">
+                <a:latin typeface="Calibri (Body)"/>
+              </a:rPr>
+              <a:t>thư</a:t>
+            </a:r>
+            <a:r>
+              <a:rPr lang="en-US" dirty="0">
+                <a:latin typeface="Calibri (Body)"/>
+              </a:rPr>
+              <a:t> </a:t>
+            </a:r>
+            <a:r>
+              <a:rPr lang="en-US" dirty="0" err="1">
+                <a:latin typeface="Calibri (Body)"/>
+              </a:rPr>
+              <a:t>viện</a:t>
+            </a:r>
+            <a:r>
+              <a:rPr lang="en-US" dirty="0">
+                <a:latin typeface="Calibri (Body)"/>
+              </a:rPr>
+              <a:t> </a:t>
+            </a:r>
+            <a:r>
+              <a:rPr lang="en-US" dirty="0" err="1">
+                <a:latin typeface="Calibri (Body)"/>
+              </a:rPr>
+              <a:t>tìm</a:t>
+            </a:r>
+            <a:r>
+              <a:rPr lang="en-US" dirty="0">
+                <a:latin typeface="Calibri (Body)"/>
+              </a:rPr>
+              <a:t> </a:t>
+            </a:r>
+            <a:r>
+              <a:rPr lang="en-US" dirty="0" err="1">
+                <a:latin typeface="Calibri (Body)"/>
+              </a:rPr>
+              <a:t>kiếm</a:t>
+            </a:r>
+            <a:r>
+              <a:rPr lang="en-US" dirty="0">
+                <a:latin typeface="Calibri (Body)"/>
+              </a:rPr>
+              <a:t> </a:t>
+            </a:r>
+            <a:r>
+              <a:rPr lang="en-US" dirty="0" err="1">
+                <a:latin typeface="Calibri (Body)"/>
+              </a:rPr>
+              <a:t>viết</a:t>
+            </a:r>
+            <a:r>
+              <a:rPr lang="en-US" dirty="0">
+                <a:latin typeface="Calibri (Body)"/>
+              </a:rPr>
+              <a:t> </a:t>
+            </a:r>
+            <a:r>
+              <a:rPr lang="en-US" dirty="0" err="1">
+                <a:latin typeface="Calibri (Body)"/>
+              </a:rPr>
+              <a:t>bằng</a:t>
+            </a:r>
+            <a:r>
+              <a:rPr lang="en-US" dirty="0">
+                <a:latin typeface="Calibri (Body)"/>
+              </a:rPr>
+              <a:t> java)</a:t>
+            </a:r>
+          </a:p>
+          <a:p>
+            <a:r>
+              <a:rPr lang="en-US" dirty="0">
+                <a:latin typeface="Calibri (Body)"/>
+              </a:rPr>
+              <a:t>T</a:t>
+            </a:r>
+            <a:r>
+              <a:rPr lang="vi-VN" dirty="0">
+                <a:latin typeface="Calibri (Body)"/>
+              </a:rPr>
+              <a:t>ìm kiếm </a:t>
+            </a:r>
+            <a:r>
+              <a:rPr lang="vi-VN" b="1" dirty="0">
+                <a:latin typeface="Calibri (Body)"/>
+              </a:rPr>
+              <a:t>full-tex</a:t>
+            </a:r>
+            <a:r>
+              <a:rPr lang="en-US" b="1" dirty="0">
+                <a:latin typeface="Calibri (Body)"/>
+              </a:rPr>
+              <a:t>t</a:t>
+            </a:r>
+            <a:r>
+              <a:rPr lang="en-US" dirty="0">
+                <a:latin typeface="Calibri (Body)"/>
+              </a:rPr>
+              <a:t> </a:t>
+            </a:r>
+            <a:r>
+              <a:rPr lang="vi-VN" dirty="0">
+                <a:latin typeface="Calibri (Body)"/>
+              </a:rPr>
+              <a:t>nhanh chóng, phân tích dữ liệu và xử lý truy vấn phức tạp trên tập dữ liệu lớn.</a:t>
+            </a:r>
+            <a:endParaRPr lang="en-US" dirty="0">
+              <a:latin typeface="Calibri (Body)"/>
+            </a:endParaRPr>
+          </a:p>
+          <a:p>
+            <a:r>
+              <a:rPr lang="en-US" dirty="0">
+                <a:latin typeface="Calibri (Body)"/>
+              </a:rPr>
+              <a:t>RESTful</a:t>
+            </a:r>
+          </a:p>
+          <a:p>
+            <a:r>
+              <a:rPr lang="en-US" dirty="0" err="1">
+                <a:latin typeface="Calibri (Body)"/>
+              </a:rPr>
+              <a:t>Kiến</a:t>
+            </a:r>
+            <a:r>
+              <a:rPr lang="en-US" dirty="0">
+                <a:latin typeface="Calibri (Body)"/>
+              </a:rPr>
+              <a:t> </a:t>
+            </a:r>
+            <a:r>
+              <a:rPr lang="en-US" dirty="0" err="1">
+                <a:latin typeface="Calibri (Body)"/>
+              </a:rPr>
+              <a:t>trúc</a:t>
+            </a:r>
+            <a:r>
+              <a:rPr lang="en-US" dirty="0">
+                <a:latin typeface="Calibri (Body)"/>
+              </a:rPr>
+              <a:t> </a:t>
+            </a:r>
+            <a:r>
+              <a:rPr lang="en-US" dirty="0" err="1">
+                <a:latin typeface="Calibri (Body)"/>
+              </a:rPr>
+              <a:t>phân</a:t>
+            </a:r>
+            <a:r>
+              <a:rPr lang="en-US" dirty="0">
+                <a:latin typeface="Calibri (Body)"/>
+              </a:rPr>
+              <a:t> </a:t>
+            </a:r>
+            <a:r>
+              <a:rPr lang="en-US" dirty="0" err="1">
+                <a:latin typeface="Calibri (Body)"/>
+              </a:rPr>
+              <a:t>tán</a:t>
+            </a:r>
+            <a:r>
+              <a:rPr lang="en-US" dirty="0">
+                <a:latin typeface="Calibri (Body)"/>
+              </a:rPr>
+              <a:t> </a:t>
+            </a:r>
+            <a:r>
+              <a:rPr lang="en-US" dirty="0" err="1">
+                <a:latin typeface="Calibri (Body)"/>
+              </a:rPr>
+              <a:t>thành</a:t>
+            </a:r>
+            <a:r>
+              <a:rPr lang="en-US" dirty="0">
+                <a:latin typeface="Calibri (Body)"/>
+              </a:rPr>
+              <a:t> </a:t>
+            </a:r>
+            <a:r>
+              <a:rPr lang="en-US" dirty="0" err="1">
+                <a:latin typeface="Calibri (Body)"/>
+              </a:rPr>
+              <a:t>nhiều</a:t>
+            </a:r>
+            <a:r>
+              <a:rPr lang="en-US" dirty="0">
+                <a:latin typeface="Calibri (Body)"/>
+              </a:rPr>
+              <a:t> </a:t>
+            </a:r>
+            <a:r>
+              <a:rPr lang="en-US" dirty="0" err="1">
+                <a:latin typeface="Calibri (Body)"/>
+              </a:rPr>
+              <a:t>phần</a:t>
+            </a:r>
+            <a:r>
+              <a:rPr lang="en-US" dirty="0">
+                <a:latin typeface="Calibri (Body)"/>
+              </a:rPr>
+              <a:t> (shard, replica, node, cluster)</a:t>
+            </a:r>
+          </a:p>
+          <a:p>
+            <a:r>
+              <a:rPr lang="en-US" dirty="0" err="1">
+                <a:latin typeface="Calibri (Body)"/>
+              </a:rPr>
+              <a:t>Hỗ</a:t>
+            </a:r>
+            <a:r>
+              <a:rPr lang="en-US" dirty="0">
+                <a:latin typeface="Calibri (Body)"/>
+              </a:rPr>
+              <a:t> </a:t>
+            </a:r>
+            <a:r>
+              <a:rPr lang="en-US" dirty="0" err="1">
+                <a:latin typeface="Calibri (Body)"/>
+              </a:rPr>
+              <a:t>trợ</a:t>
+            </a:r>
+            <a:r>
+              <a:rPr lang="en-US" dirty="0">
+                <a:latin typeface="Calibri (Body)"/>
+              </a:rPr>
+              <a:t> </a:t>
+            </a:r>
+            <a:r>
+              <a:rPr lang="en-US" dirty="0" err="1">
+                <a:latin typeface="Calibri (Body)"/>
+              </a:rPr>
+              <a:t>các</a:t>
+            </a:r>
+            <a:r>
+              <a:rPr lang="en-US" dirty="0">
+                <a:latin typeface="Calibri (Body)"/>
+              </a:rPr>
+              <a:t> </a:t>
+            </a:r>
+            <a:r>
+              <a:rPr lang="en-US" dirty="0" err="1">
+                <a:latin typeface="Calibri (Body)"/>
+              </a:rPr>
+              <a:t>ngôn</a:t>
+            </a:r>
+            <a:r>
+              <a:rPr lang="en-US" dirty="0">
+                <a:latin typeface="Calibri (Body)"/>
+              </a:rPr>
+              <a:t> </a:t>
+            </a:r>
+            <a:r>
+              <a:rPr lang="en-US" dirty="0" err="1">
+                <a:latin typeface="Calibri (Body)"/>
+              </a:rPr>
+              <a:t>ngữ</a:t>
+            </a:r>
+            <a:r>
+              <a:rPr lang="en-US" dirty="0">
+                <a:latin typeface="Calibri (Body)"/>
+              </a:rPr>
+              <a:t> </a:t>
+            </a:r>
+            <a:r>
+              <a:rPr lang="en-US" dirty="0" err="1">
+                <a:latin typeface="Calibri (Body)"/>
+              </a:rPr>
+              <a:t>lập</a:t>
+            </a:r>
+            <a:r>
+              <a:rPr lang="en-US" dirty="0">
+                <a:latin typeface="Calibri (Body)"/>
+              </a:rPr>
+              <a:t> </a:t>
+            </a:r>
+            <a:r>
+              <a:rPr lang="en-US" dirty="0" err="1">
+                <a:latin typeface="Calibri (Body)"/>
+              </a:rPr>
+              <a:t>trình</a:t>
+            </a:r>
+            <a:endParaRPr lang="en-US" dirty="0">
+              <a:latin typeface="Calibri (Body)"/>
+            </a:endParaRPr>
+          </a:p>
+          <a:p>
+            <a:endParaRPr lang="en-US" dirty="0">
+              <a:latin typeface="Calibri (Body)"/>
+            </a:endParaRPr>
+          </a:p>
+        </p:txBody>
+      </p:sp>
     </p:spTree>
     <p:extLst>
       <p:ext uri="{BB962C8B-B14F-4D97-AF65-F5344CB8AC3E}">
@@ -4414,7 +5537,7 @@
           <p:cNvPr id="2" name="Title 1">
             <a:extLst>
               <a:ext uri="{FF2B5EF4-FFF2-40B4-BE49-F238E27FC236}">
-                <a16:creationId xmlns:a16="http://schemas.microsoft.com/office/drawing/2014/main" id="{FA41AC1B-AADD-8762-53E1-8D9D179223C0}"/>
+                <a16:creationId xmlns:a16="http://schemas.microsoft.com/office/drawing/2014/main" id="{0944E235-7CFB-6136-ECAA-9A19D67C397C}"/>
               </a:ext>
             </a:extLst>
           </p:cNvPr>
@@ -4430,85 +5553,274 @@
           <a:bodyPr/>
           <a:lstStyle/>
           <a:p>
-            <a:r>
-              <a:rPr lang="en-US" dirty="0" err="1"/>
-              <a:t>Tính</a:t>
-            </a:r>
-            <a:r>
-              <a:rPr lang="en-US" dirty="0"/>
-              <a:t> </a:t>
-            </a:r>
-            <a:r>
-              <a:rPr lang="en-US" dirty="0" err="1"/>
-              <a:t>năng</a:t>
-            </a:r>
-            <a:endParaRPr lang="en-US" dirty="0"/>
-          </a:p>
-        </p:txBody>
-      </p:sp>
-      <p:sp>
-        <p:nvSpPr>
-          <p:cNvPr id="3" name="Content Placeholder 2">
-            <a:extLst>
-              <a:ext uri="{FF2B5EF4-FFF2-40B4-BE49-F238E27FC236}">
-                <a16:creationId xmlns:a16="http://schemas.microsoft.com/office/drawing/2014/main" id="{2A3194BA-DF96-E24C-936B-2EE3F18AF515}"/>
-              </a:ext>
-            </a:extLst>
-          </p:cNvPr>
-          <p:cNvSpPr>
-            <a:spLocks noGrp="1"/>
-          </p:cNvSpPr>
-          <p:nvPr>
-            <p:ph idx="1"/>
-          </p:nvPr>
-        </p:nvSpPr>
-        <p:spPr/>
-        <p:txBody>
-          <a:bodyPr/>
-          <a:lstStyle/>
-          <a:p>
-            <a:r>
-              <a:rPr lang="vi-VN" dirty="0"/>
-              <a:t>Trình bày kiến trúc phân tán của Elasticsearch bao gồm các khái niệm như node, cluster, shard và replica. Giải thích cách Elasticsearch phân phối dữ liệu và xử lý truy vấn song song trên các node</a:t>
-            </a:r>
-            <a:endParaRPr lang="en-US" dirty="0"/>
-          </a:p>
-        </p:txBody>
-      </p:sp>
-      <p:pic>
-        <p:nvPicPr>
-          <p:cNvPr id="5" name="Picture 4">
-            <a:extLst>
-              <a:ext uri="{FF2B5EF4-FFF2-40B4-BE49-F238E27FC236}">
-                <a16:creationId xmlns:a16="http://schemas.microsoft.com/office/drawing/2014/main" id="{D68ED6C8-0966-94BF-D862-D54E9753E7C3}"/>
-              </a:ext>
-            </a:extLst>
-          </p:cNvPr>
-          <p:cNvPicPr>
-            <a:picLocks noChangeAspect="1"/>
-          </p:cNvPicPr>
+            <a:pPr algn="ctr"/>
+            <a:r>
+              <a:rPr lang="en-US" dirty="0"/>
+              <a:t>Full-text</a:t>
+            </a:r>
+          </a:p>
+        </p:txBody>
+      </p:sp>
+      <p:sp>
+        <p:nvSpPr>
+          <p:cNvPr id="8" name="TextBox 7">
+            <a:extLst>
+              <a:ext uri="{FF2B5EF4-FFF2-40B4-BE49-F238E27FC236}">
+                <a16:creationId xmlns:a16="http://schemas.microsoft.com/office/drawing/2014/main" id="{F555E0C1-AE28-BD37-96C9-37DEC6B1A02A}"/>
+              </a:ext>
+            </a:extLst>
+          </p:cNvPr>
+          <p:cNvSpPr txBox="1"/>
           <p:nvPr/>
-        </p:nvPicPr>
-        <p:blipFill>
-          <a:blip r:embed="rId2"/>
-          <a:stretch>
-            <a:fillRect/>
-          </a:stretch>
-        </p:blipFill>
+        </p:nvSpPr>
         <p:spPr>
           <a:xfrm>
-            <a:off x="4193251" y="3130036"/>
-            <a:ext cx="3805498" cy="3046927"/>
+            <a:off x="2169481" y="4078973"/>
+            <a:ext cx="2597458" cy="707886"/>
           </a:xfrm>
           <a:prstGeom prst="rect">
             <a:avLst/>
           </a:prstGeom>
+          <a:noFill/>
         </p:spPr>
-      </p:pic>
+        <p:txBody>
+          <a:bodyPr wrap="square" rtlCol="0">
+            <a:spAutoFit/>
+          </a:bodyPr>
+          <a:lstStyle/>
+          <a:p>
+            <a:r>
+              <a:rPr lang="en-US" sz="4000" dirty="0"/>
+              <a:t>Hello world</a:t>
+            </a:r>
+          </a:p>
+        </p:txBody>
+      </p:sp>
+      <p:grpSp>
+        <p:nvGrpSpPr>
+          <p:cNvPr id="11" name="Group 10">
+            <a:extLst>
+              <a:ext uri="{FF2B5EF4-FFF2-40B4-BE49-F238E27FC236}">
+                <a16:creationId xmlns:a16="http://schemas.microsoft.com/office/drawing/2014/main" id="{B999A6BA-4E26-D237-E0B0-5C9AB542BD64}"/>
+              </a:ext>
+            </a:extLst>
+          </p:cNvPr>
+          <p:cNvGrpSpPr/>
+          <p:nvPr/>
+        </p:nvGrpSpPr>
+        <p:grpSpPr>
+          <a:xfrm>
+            <a:off x="1542772" y="3908394"/>
+            <a:ext cx="8726751" cy="2059619"/>
+            <a:chOff x="1599459" y="3781887"/>
+            <a:chExt cx="8726751" cy="2059619"/>
+          </a:xfrm>
+        </p:grpSpPr>
+        <p:cxnSp>
+          <p:nvCxnSpPr>
+            <p:cNvPr id="5" name="Straight Arrow Connector 4">
+              <a:extLst>
+                <a:ext uri="{FF2B5EF4-FFF2-40B4-BE49-F238E27FC236}">
+                  <a16:creationId xmlns:a16="http://schemas.microsoft.com/office/drawing/2014/main" id="{24E31731-FBFD-BC21-1E5D-3AF9547FB347}"/>
+                </a:ext>
+              </a:extLst>
+            </p:cNvPr>
+            <p:cNvCxnSpPr>
+              <a:cxnSpLocks/>
+            </p:cNvCxnSpPr>
+            <p:nvPr/>
+          </p:nvCxnSpPr>
+          <p:spPr>
+            <a:xfrm>
+              <a:off x="1599459" y="4830931"/>
+              <a:ext cx="3701989" cy="0"/>
+            </a:xfrm>
+            <a:prstGeom prst="straightConnector1">
+              <a:avLst/>
+            </a:prstGeom>
+            <a:ln w="76200">
+              <a:tailEnd type="triangle"/>
+            </a:ln>
+          </p:spPr>
+          <p:style>
+            <a:lnRef idx="1">
+              <a:schemeClr val="accent1"/>
+            </a:lnRef>
+            <a:fillRef idx="0">
+              <a:schemeClr val="accent1"/>
+            </a:fillRef>
+            <a:effectRef idx="0">
+              <a:schemeClr val="accent1"/>
+            </a:effectRef>
+            <a:fontRef idx="minor">
+              <a:schemeClr val="tx1"/>
+            </a:fontRef>
+          </p:style>
+        </p:cxnSp>
+        <p:sp>
+          <p:nvSpPr>
+            <p:cNvPr id="6" name="Cylinder 5">
+              <a:extLst>
+                <a:ext uri="{FF2B5EF4-FFF2-40B4-BE49-F238E27FC236}">
+                  <a16:creationId xmlns:a16="http://schemas.microsoft.com/office/drawing/2014/main" id="{A2DFE565-328D-A57C-0AE7-85A9BE0F5F2F}"/>
+                </a:ext>
+              </a:extLst>
+            </p:cNvPr>
+            <p:cNvSpPr/>
+            <p:nvPr/>
+          </p:nvSpPr>
+          <p:spPr>
+            <a:xfrm>
+              <a:off x="5301448" y="3781887"/>
+              <a:ext cx="1589103" cy="2059619"/>
+            </a:xfrm>
+            <a:prstGeom prst="can">
+              <a:avLst/>
+            </a:prstGeom>
+          </p:spPr>
+          <p:style>
+            <a:lnRef idx="2">
+              <a:schemeClr val="accent1">
+                <a:shade val="15000"/>
+              </a:schemeClr>
+            </a:lnRef>
+            <a:fillRef idx="1">
+              <a:schemeClr val="accent1"/>
+            </a:fillRef>
+            <a:effectRef idx="0">
+              <a:schemeClr val="accent1"/>
+            </a:effectRef>
+            <a:fontRef idx="minor">
+              <a:schemeClr val="lt1"/>
+            </a:fontRef>
+          </p:style>
+          <p:txBody>
+            <a:bodyPr rtlCol="0" anchor="ctr"/>
+            <a:lstStyle/>
+            <a:p>
+              <a:pPr algn="ctr"/>
+              <a:r>
+                <a:rPr lang="en-US" sz="8000" dirty="0"/>
+                <a:t>ES</a:t>
+              </a:r>
+            </a:p>
+          </p:txBody>
+        </p:sp>
+        <p:cxnSp>
+          <p:nvCxnSpPr>
+            <p:cNvPr id="9" name="Straight Arrow Connector 8">
+              <a:extLst>
+                <a:ext uri="{FF2B5EF4-FFF2-40B4-BE49-F238E27FC236}">
+                  <a16:creationId xmlns:a16="http://schemas.microsoft.com/office/drawing/2014/main" id="{2686F312-2EB5-DD3A-8230-5A83F5502E92}"/>
+                </a:ext>
+              </a:extLst>
+            </p:cNvPr>
+            <p:cNvCxnSpPr>
+              <a:cxnSpLocks/>
+            </p:cNvCxnSpPr>
+            <p:nvPr/>
+          </p:nvCxnSpPr>
+          <p:spPr>
+            <a:xfrm>
+              <a:off x="6624221" y="4804297"/>
+              <a:ext cx="3701989" cy="0"/>
+            </a:xfrm>
+            <a:prstGeom prst="straightConnector1">
+              <a:avLst/>
+            </a:prstGeom>
+            <a:ln w="76200">
+              <a:tailEnd type="triangle"/>
+            </a:ln>
+          </p:spPr>
+          <p:style>
+            <a:lnRef idx="1">
+              <a:schemeClr val="accent1"/>
+            </a:lnRef>
+            <a:fillRef idx="0">
+              <a:schemeClr val="accent1"/>
+            </a:fillRef>
+            <a:effectRef idx="0">
+              <a:schemeClr val="accent1"/>
+            </a:effectRef>
+            <a:fontRef idx="minor">
+              <a:schemeClr val="tx1"/>
+            </a:fontRef>
+          </p:style>
+        </p:cxnSp>
+      </p:grpSp>
+      <p:sp>
+        <p:nvSpPr>
+          <p:cNvPr id="10" name="TextBox 9">
+            <a:extLst>
+              <a:ext uri="{FF2B5EF4-FFF2-40B4-BE49-F238E27FC236}">
+                <a16:creationId xmlns:a16="http://schemas.microsoft.com/office/drawing/2014/main" id="{9CA9B7EC-8C8C-2B60-C8AE-3E4BAC3C4A6A}"/>
+              </a:ext>
+            </a:extLst>
+          </p:cNvPr>
+          <p:cNvSpPr txBox="1"/>
+          <p:nvPr/>
+        </p:nvSpPr>
+        <p:spPr>
+          <a:xfrm>
+            <a:off x="7045355" y="2273001"/>
+            <a:ext cx="4079660" cy="2554545"/>
+          </a:xfrm>
+          <a:prstGeom prst="rect">
+            <a:avLst/>
+          </a:prstGeom>
+          <a:noFill/>
+        </p:spPr>
+        <p:txBody>
+          <a:bodyPr wrap="square" rtlCol="0">
+            <a:spAutoFit/>
+          </a:bodyPr>
+          <a:lstStyle/>
+          <a:p>
+            <a:pPr marL="571500" indent="-571500">
+              <a:buFont typeface="Arial" panose="020B0604020202020204" pitchFamily="34" charset="0"/>
+              <a:buChar char="•"/>
+            </a:pPr>
+            <a:r>
+              <a:rPr lang="en-US" sz="4000" dirty="0"/>
+              <a:t>Hello world</a:t>
+            </a:r>
+          </a:p>
+          <a:p>
+            <a:pPr marL="571500" indent="-571500">
+              <a:buFont typeface="Arial" panose="020B0604020202020204" pitchFamily="34" charset="0"/>
+              <a:buChar char="•"/>
+            </a:pPr>
+            <a:r>
+              <a:rPr lang="en-US" sz="4000" dirty="0"/>
+              <a:t>Hello</a:t>
+            </a:r>
+          </a:p>
+          <a:p>
+            <a:pPr marL="571500" indent="-571500">
+              <a:buFont typeface="Arial" panose="020B0604020202020204" pitchFamily="34" charset="0"/>
+              <a:buChar char="•"/>
+            </a:pPr>
+            <a:r>
+              <a:rPr lang="en-US" sz="4000" dirty="0"/>
+              <a:t>World</a:t>
+            </a:r>
+          </a:p>
+          <a:p>
+            <a:pPr marL="571500" indent="-571500">
+              <a:buFont typeface="Arial" panose="020B0604020202020204" pitchFamily="34" charset="0"/>
+              <a:buChar char="•"/>
+            </a:pPr>
+            <a:r>
+              <a:rPr lang="en-US" sz="4000" dirty="0"/>
+              <a:t>…</a:t>
+            </a:r>
+          </a:p>
+        </p:txBody>
+      </p:sp>
     </p:spTree>
     <p:extLst>
       <p:ext uri="{BB962C8B-B14F-4D97-AF65-F5344CB8AC3E}">
-        <p14:creationId xmlns:p14="http://schemas.microsoft.com/office/powerpoint/2010/main" val="1137577924"/>
+        <p14:creationId xmlns:p14="http://schemas.microsoft.com/office/powerpoint/2010/main" val="551658548"/>
       </p:ext>
     </p:extLst>
   </p:cSld>
@@ -4540,7 +5852,7 @@
           <p:cNvPr id="2" name="Title 1">
             <a:extLst>
               <a:ext uri="{FF2B5EF4-FFF2-40B4-BE49-F238E27FC236}">
-                <a16:creationId xmlns:a16="http://schemas.microsoft.com/office/drawing/2014/main" id="{F43E381D-0C0A-1890-A86E-183B72CE0CB1}"/>
+                <a16:creationId xmlns:a16="http://schemas.microsoft.com/office/drawing/2014/main" id="{38C5C2A4-C76D-731A-4B86-353C32E0EC5C}"/>
               </a:ext>
             </a:extLst>
           </p:cNvPr>
@@ -4556,69 +5868,170 @@
           <a:bodyPr/>
           <a:lstStyle/>
           <a:p>
-            <a:endParaRPr lang="en-US"/>
-          </a:p>
-        </p:txBody>
-      </p:sp>
-      <p:sp>
-        <p:nvSpPr>
-          <p:cNvPr id="3" name="Content Placeholder 2">
-            <a:extLst>
-              <a:ext uri="{FF2B5EF4-FFF2-40B4-BE49-F238E27FC236}">
-                <a16:creationId xmlns:a16="http://schemas.microsoft.com/office/drawing/2014/main" id="{B938F3A3-30EE-AF47-D85F-F469AECF42CB}"/>
-              </a:ext>
-            </a:extLst>
-          </p:cNvPr>
-          <p:cNvSpPr>
-            <a:spLocks noGrp="1"/>
-          </p:cNvSpPr>
-          <p:nvPr>
-            <p:ph idx="1"/>
-          </p:nvPr>
-        </p:nvSpPr>
-        <p:spPr/>
-        <p:txBody>
-          <a:bodyPr/>
-          <a:lstStyle/>
-          <a:p>
-            <a:endParaRPr lang="en-US"/>
-          </a:p>
-        </p:txBody>
-      </p:sp>
-      <p:pic>
-        <p:nvPicPr>
-          <p:cNvPr id="5" name="Picture 4">
-            <a:extLst>
-              <a:ext uri="{FF2B5EF4-FFF2-40B4-BE49-F238E27FC236}">
-                <a16:creationId xmlns:a16="http://schemas.microsoft.com/office/drawing/2014/main" id="{9125C758-1231-B027-E85E-55246981A856}"/>
-              </a:ext>
-            </a:extLst>
-          </p:cNvPr>
-          <p:cNvPicPr>
-            <a:picLocks noChangeAspect="1"/>
-          </p:cNvPicPr>
+            <a:pPr algn="ctr"/>
+            <a:r>
+              <a:rPr lang="en-US" dirty="0"/>
+              <a:t>RESTful API</a:t>
+            </a:r>
+          </a:p>
+        </p:txBody>
+      </p:sp>
+      <p:sp>
+        <p:nvSpPr>
+          <p:cNvPr id="5" name="TextBox 4">
+            <a:extLst>
+              <a:ext uri="{FF2B5EF4-FFF2-40B4-BE49-F238E27FC236}">
+                <a16:creationId xmlns:a16="http://schemas.microsoft.com/office/drawing/2014/main" id="{0ABBA980-40D3-1B66-62A7-B521B69F31E7}"/>
+              </a:ext>
+            </a:extLst>
+          </p:cNvPr>
+          <p:cNvSpPr txBox="1"/>
           <p:nvPr/>
-        </p:nvPicPr>
-        <p:blipFill>
-          <a:blip r:embed="rId2"/>
-          <a:stretch>
-            <a:fillRect/>
-          </a:stretch>
-        </p:blipFill>
+        </p:nvSpPr>
         <p:spPr>
           <a:xfrm>
-            <a:off x="3533313" y="1958396"/>
-            <a:ext cx="7335378" cy="4209423"/>
+            <a:off x="1287262" y="2467992"/>
+            <a:ext cx="4296792" cy="2862322"/>
           </a:xfrm>
           <a:prstGeom prst="rect">
             <a:avLst/>
           </a:prstGeom>
+          <a:noFill/>
         </p:spPr>
-      </p:pic>
+        <p:txBody>
+          <a:bodyPr wrap="square" rtlCol="0">
+            <a:spAutoFit/>
+          </a:bodyPr>
+          <a:lstStyle/>
+          <a:p>
+            <a:pPr marL="285750" indent="-285750">
+              <a:buFont typeface="Arial" panose="020B0604020202020204" pitchFamily="34" charset="0"/>
+              <a:buChar char="•"/>
+            </a:pPr>
+            <a:r>
+              <a:rPr lang="en-US" sz="3600" dirty="0"/>
+              <a:t>CREATE</a:t>
+            </a:r>
+          </a:p>
+          <a:p>
+            <a:pPr marL="285750" indent="-285750">
+              <a:buFont typeface="Arial" panose="020B0604020202020204" pitchFamily="34" charset="0"/>
+              <a:buChar char="•"/>
+            </a:pPr>
+            <a:r>
+              <a:rPr lang="en-US" sz="3600" dirty="0"/>
+              <a:t>READ</a:t>
+            </a:r>
+          </a:p>
+          <a:p>
+            <a:pPr marL="285750" indent="-285750">
+              <a:buFont typeface="Arial" panose="020B0604020202020204" pitchFamily="34" charset="0"/>
+              <a:buChar char="•"/>
+            </a:pPr>
+            <a:r>
+              <a:rPr lang="en-US" sz="3600" dirty="0"/>
+              <a:t>UPDATE</a:t>
+            </a:r>
+          </a:p>
+          <a:p>
+            <a:pPr marL="285750" indent="-285750">
+              <a:buFont typeface="Arial" panose="020B0604020202020204" pitchFamily="34" charset="0"/>
+              <a:buChar char="•"/>
+            </a:pPr>
+            <a:r>
+              <a:rPr lang="en-US" sz="3600" dirty="0"/>
+              <a:t>DELETE</a:t>
+            </a:r>
+          </a:p>
+          <a:p>
+            <a:pPr marL="285750" indent="-285750">
+              <a:buFont typeface="Arial" panose="020B0604020202020204" pitchFamily="34" charset="0"/>
+              <a:buChar char="•"/>
+            </a:pPr>
+            <a:endParaRPr lang="en-US" sz="3600" dirty="0"/>
+          </a:p>
+        </p:txBody>
+      </p:sp>
+      <p:sp>
+        <p:nvSpPr>
+          <p:cNvPr id="6" name="TextBox 5">
+            <a:extLst>
+              <a:ext uri="{FF2B5EF4-FFF2-40B4-BE49-F238E27FC236}">
+                <a16:creationId xmlns:a16="http://schemas.microsoft.com/office/drawing/2014/main" id="{A2E5C642-04A3-A0AA-3C6B-0C4C8D55F003}"/>
+              </a:ext>
+            </a:extLst>
+          </p:cNvPr>
+          <p:cNvSpPr txBox="1"/>
+          <p:nvPr/>
+        </p:nvSpPr>
+        <p:spPr>
+          <a:xfrm>
+            <a:off x="7058487" y="2467992"/>
+            <a:ext cx="4296792" cy="2862322"/>
+          </a:xfrm>
+          <a:prstGeom prst="rect">
+            <a:avLst/>
+          </a:prstGeom>
+          <a:noFill/>
+        </p:spPr>
+        <p:txBody>
+          <a:bodyPr wrap="square" rtlCol="0">
+            <a:spAutoFit/>
+          </a:bodyPr>
+          <a:lstStyle/>
+          <a:p>
+            <a:pPr marL="285750" indent="-285750">
+              <a:buFont typeface="Arial" panose="020B0604020202020204" pitchFamily="34" charset="0"/>
+              <a:buChar char="•"/>
+            </a:pPr>
+            <a:r>
+              <a:rPr lang="en-US" sz="3600" dirty="0"/>
+              <a:t>POST</a:t>
+            </a:r>
+          </a:p>
+          <a:p>
+            <a:pPr marL="285750" indent="-285750">
+              <a:buFont typeface="Arial" panose="020B0604020202020204" pitchFamily="34" charset="0"/>
+              <a:buChar char="•"/>
+            </a:pPr>
+            <a:r>
+              <a:rPr lang="en-US" sz="3600" dirty="0"/>
+              <a:t>GET</a:t>
+            </a:r>
+          </a:p>
+          <a:p>
+            <a:pPr marL="285750" indent="-285750">
+              <a:buFont typeface="Arial" panose="020B0604020202020204" pitchFamily="34" charset="0"/>
+              <a:buChar char="•"/>
+            </a:pPr>
+            <a:r>
+              <a:rPr lang="en-US" sz="3600" dirty="0"/>
+              <a:t>PUT</a:t>
+            </a:r>
+          </a:p>
+          <a:p>
+            <a:pPr marL="285750" indent="-285750">
+              <a:buFont typeface="Arial" panose="020B0604020202020204" pitchFamily="34" charset="0"/>
+              <a:buChar char="•"/>
+            </a:pPr>
+            <a:r>
+              <a:rPr lang="en-US" sz="3600" dirty="0"/>
+              <a:t>DELETE</a:t>
+            </a:r>
+          </a:p>
+          <a:p>
+            <a:pPr marL="285750" indent="-285750">
+              <a:buFont typeface="Arial" panose="020B0604020202020204" pitchFamily="34" charset="0"/>
+              <a:buChar char="•"/>
+            </a:pPr>
+            <a:endParaRPr lang="en-US" sz="3600" dirty="0"/>
+          </a:p>
+        </p:txBody>
+      </p:sp>
     </p:spTree>
     <p:extLst>
       <p:ext uri="{BB962C8B-B14F-4D97-AF65-F5344CB8AC3E}">
-        <p14:creationId xmlns:p14="http://schemas.microsoft.com/office/powerpoint/2010/main" val="2526166922"/>
+        <p14:creationId xmlns:p14="http://schemas.microsoft.com/office/powerpoint/2010/main" val="3841379248"/>
       </p:ext>
     </p:extLst>
   </p:cSld>
@@ -4650,7 +6063,7 @@
           <p:cNvPr id="2" name="Title 1">
             <a:extLst>
               <a:ext uri="{FF2B5EF4-FFF2-40B4-BE49-F238E27FC236}">
-                <a16:creationId xmlns:a16="http://schemas.microsoft.com/office/drawing/2014/main" id="{E328FF5E-F542-342E-0125-26E0E4C12197}"/>
+                <a16:creationId xmlns:a16="http://schemas.microsoft.com/office/drawing/2014/main" id="{FA41AC1B-AADD-8762-53E1-8D9D179223C0}"/>
               </a:ext>
             </a:extLst>
           </p:cNvPr>
@@ -4666,69 +6079,71 @@
           <a:bodyPr/>
           <a:lstStyle/>
           <a:p>
-            <a:endParaRPr lang="en-US"/>
-          </a:p>
-        </p:txBody>
-      </p:sp>
-      <p:sp>
-        <p:nvSpPr>
-          <p:cNvPr id="3" name="Content Placeholder 2">
-            <a:extLst>
-              <a:ext uri="{FF2B5EF4-FFF2-40B4-BE49-F238E27FC236}">
-                <a16:creationId xmlns:a16="http://schemas.microsoft.com/office/drawing/2014/main" id="{26568359-B78A-C7B9-14E4-A1309940F2EF}"/>
-              </a:ext>
-            </a:extLst>
-          </p:cNvPr>
-          <p:cNvSpPr>
-            <a:spLocks noGrp="1"/>
-          </p:cNvSpPr>
-          <p:nvPr>
-            <p:ph idx="1"/>
-          </p:nvPr>
-        </p:nvSpPr>
-        <p:spPr/>
-        <p:txBody>
-          <a:bodyPr/>
-          <a:lstStyle/>
-          <a:p>
-            <a:endParaRPr lang="en-US"/>
+            <a:r>
+              <a:rPr lang="en-US" b="0" i="0" dirty="0">
+                <a:solidFill>
+                  <a:srgbClr val="252525"/>
+                </a:solidFill>
+                <a:effectLst/>
+                <a:latin typeface="Roboto" panose="02000000000000000000" pitchFamily="2" charset="0"/>
+              </a:rPr>
+              <a:t>Elasticsearch architecture</a:t>
+            </a:r>
+            <a:endParaRPr lang="en-US" dirty="0"/>
           </a:p>
         </p:txBody>
       </p:sp>
       <p:pic>
         <p:nvPicPr>
-          <p:cNvPr id="5" name="Picture 4">
-            <a:extLst>
-              <a:ext uri="{FF2B5EF4-FFF2-40B4-BE49-F238E27FC236}">
-                <a16:creationId xmlns:a16="http://schemas.microsoft.com/office/drawing/2014/main" id="{5F8B3EBA-3750-2BC6-8D5A-BC42A0C7EA57}"/>
+          <p:cNvPr id="6" name="Picture 2" descr="Tìm hiểu về Elasticsearch Cluster – quoc9x">
+            <a:extLst>
+              <a:ext uri="{FF2B5EF4-FFF2-40B4-BE49-F238E27FC236}">
+                <a16:creationId xmlns:a16="http://schemas.microsoft.com/office/drawing/2014/main" id="{6B8C880F-0F16-3C0F-9052-ADEA8E548F58}"/>
               </a:ext>
             </a:extLst>
           </p:cNvPr>
           <p:cNvPicPr>
-            <a:picLocks noChangeAspect="1"/>
+            <a:picLocks noChangeAspect="1" noChangeArrowheads="1"/>
           </p:cNvPicPr>
           <p:nvPr/>
         </p:nvPicPr>
         <p:blipFill>
-          <a:blip r:embed="rId2"/>
+          <a:blip r:embed="rId2">
+            <a:extLst>
+              <a:ext uri="{28A0092B-C50C-407E-A947-70E740481C1C}">
+                <a14:useLocalDpi xmlns:a14="http://schemas.microsoft.com/office/drawing/2010/main" val="0"/>
+              </a:ext>
+            </a:extLst>
+          </a:blip>
+          <a:srcRect/>
           <a:stretch>
             <a:fillRect/>
           </a:stretch>
         </p:blipFill>
-        <p:spPr>
+        <p:spPr bwMode="auto">
           <a:xfrm>
-            <a:off x="2757021" y="1528497"/>
-            <a:ext cx="6677957" cy="3801005"/>
+            <a:off x="2249685" y="1787648"/>
+            <a:ext cx="7692629" cy="3512321"/>
           </a:xfrm>
           <a:prstGeom prst="rect">
             <a:avLst/>
           </a:prstGeom>
+          <a:noFill/>
+          <a:extLst>
+            <a:ext uri="{909E8E84-426E-40DD-AFC4-6F175D3DCCD1}">
+              <a14:hiddenFill xmlns:a14="http://schemas.microsoft.com/office/drawing/2010/main">
+                <a:solidFill>
+                  <a:srgbClr val="FFFFFF"/>
+                </a:solidFill>
+              </a14:hiddenFill>
+            </a:ext>
+          </a:extLst>
         </p:spPr>
       </p:pic>
     </p:spTree>
     <p:extLst>
       <p:ext uri="{BB962C8B-B14F-4D97-AF65-F5344CB8AC3E}">
-        <p14:creationId xmlns:p14="http://schemas.microsoft.com/office/powerpoint/2010/main" val="3211063525"/>
+        <p14:creationId xmlns:p14="http://schemas.microsoft.com/office/powerpoint/2010/main" val="1137577924"/>
       </p:ext>
     </p:extLst>
   </p:cSld>
@@ -4757,61 +6172,398 @@
       </p:grpSpPr>
       <p:sp>
         <p:nvSpPr>
-          <p:cNvPr id="2" name="Title 1">
-            <a:extLst>
-              <a:ext uri="{FF2B5EF4-FFF2-40B4-BE49-F238E27FC236}">
-                <a16:creationId xmlns:a16="http://schemas.microsoft.com/office/drawing/2014/main" id="{65E5CDAB-5E99-7029-C60E-774F3940C864}"/>
-              </a:ext>
-            </a:extLst>
-          </p:cNvPr>
-          <p:cNvSpPr>
-            <a:spLocks noGrp="1"/>
-          </p:cNvSpPr>
-          <p:nvPr>
-            <p:ph type="title"/>
-          </p:nvPr>
-        </p:nvSpPr>
-        <p:spPr/>
-        <p:txBody>
-          <a:bodyPr/>
-          <a:lstStyle/>
-          <a:p>
-            <a:r>
-              <a:rPr lang="en-US" dirty="0"/>
-              <a:t>Create index</a:t>
-            </a:r>
-          </a:p>
-        </p:txBody>
-      </p:sp>
-      <p:sp>
-        <p:nvSpPr>
-          <p:cNvPr id="3" name="Content Placeholder 2">
-            <a:extLst>
-              <a:ext uri="{FF2B5EF4-FFF2-40B4-BE49-F238E27FC236}">
-                <a16:creationId xmlns:a16="http://schemas.microsoft.com/office/drawing/2014/main" id="{3BCED5D1-8878-8E72-2F2D-E03C70182489}"/>
-              </a:ext>
-            </a:extLst>
-          </p:cNvPr>
-          <p:cNvSpPr>
-            <a:spLocks noGrp="1"/>
-          </p:cNvSpPr>
-          <p:nvPr>
-            <p:ph idx="1"/>
-          </p:nvPr>
-        </p:nvSpPr>
-        <p:spPr/>
-        <p:txBody>
-          <a:bodyPr/>
-          <a:lstStyle/>
-          <a:p>
-            <a:endParaRPr lang="en-US"/>
+          <p:cNvPr id="4" name="Rectangle 3">
+            <a:extLst>
+              <a:ext uri="{FF2B5EF4-FFF2-40B4-BE49-F238E27FC236}">
+                <a16:creationId xmlns:a16="http://schemas.microsoft.com/office/drawing/2014/main" id="{C65874B3-EA33-2ECB-799B-93625579FBC2}"/>
+              </a:ext>
+            </a:extLst>
+          </p:cNvPr>
+          <p:cNvSpPr/>
+          <p:nvPr/>
+        </p:nvSpPr>
+        <p:spPr>
+          <a:xfrm>
+            <a:off x="4868049" y="1183487"/>
+            <a:ext cx="1466905" cy="1222361"/>
+          </a:xfrm>
+          <a:prstGeom prst="rect">
+            <a:avLst/>
+          </a:prstGeom>
+        </p:spPr>
+        <p:style>
+          <a:lnRef idx="1">
+            <a:schemeClr val="accent2"/>
+          </a:lnRef>
+          <a:fillRef idx="2">
+            <a:schemeClr val="accent2"/>
+          </a:fillRef>
+          <a:effectRef idx="1">
+            <a:schemeClr val="accent2"/>
+          </a:effectRef>
+          <a:fontRef idx="minor">
+            <a:schemeClr val="dk1"/>
+          </a:fontRef>
+        </p:style>
+        <p:txBody>
+          <a:bodyPr rtlCol="0" anchor="ctr"/>
+          <a:lstStyle/>
+          <a:p>
+            <a:pPr algn="ctr"/>
+            <a:r>
+              <a:rPr lang="en-US" sz="3200" dirty="0"/>
+              <a:t>Cluster</a:t>
+            </a:r>
+          </a:p>
+        </p:txBody>
+      </p:sp>
+      <p:sp>
+        <p:nvSpPr>
+          <p:cNvPr id="5" name="Rectangle 4">
+            <a:extLst>
+              <a:ext uri="{FF2B5EF4-FFF2-40B4-BE49-F238E27FC236}">
+                <a16:creationId xmlns:a16="http://schemas.microsoft.com/office/drawing/2014/main" id="{28816810-2F0D-BAD6-8B21-EBFC792DF5CC}"/>
+              </a:ext>
+            </a:extLst>
+          </p:cNvPr>
+          <p:cNvSpPr/>
+          <p:nvPr/>
+        </p:nvSpPr>
+        <p:spPr>
+          <a:xfrm>
+            <a:off x="2946775" y="3079980"/>
+            <a:ext cx="1466905" cy="1222361"/>
+          </a:xfrm>
+          <a:prstGeom prst="rect">
+            <a:avLst/>
+          </a:prstGeom>
+        </p:spPr>
+        <p:style>
+          <a:lnRef idx="2">
+            <a:schemeClr val="accent4">
+              <a:shade val="15000"/>
+            </a:schemeClr>
+          </a:lnRef>
+          <a:fillRef idx="1">
+            <a:schemeClr val="accent4"/>
+          </a:fillRef>
+          <a:effectRef idx="0">
+            <a:schemeClr val="accent4"/>
+          </a:effectRef>
+          <a:fontRef idx="minor">
+            <a:schemeClr val="lt1"/>
+          </a:fontRef>
+        </p:style>
+        <p:txBody>
+          <a:bodyPr rtlCol="0" anchor="ctr"/>
+          <a:lstStyle/>
+          <a:p>
+            <a:pPr algn="ctr"/>
+            <a:r>
+              <a:rPr lang="en-US" sz="3200" dirty="0"/>
+              <a:t>Master node</a:t>
+            </a:r>
+          </a:p>
+        </p:txBody>
+      </p:sp>
+      <p:sp>
+        <p:nvSpPr>
+          <p:cNvPr id="6" name="Rectangle 5">
+            <a:extLst>
+              <a:ext uri="{FF2B5EF4-FFF2-40B4-BE49-F238E27FC236}">
+                <a16:creationId xmlns:a16="http://schemas.microsoft.com/office/drawing/2014/main" id="{93BF681C-3210-31DD-A50D-02E3A20CE595}"/>
+              </a:ext>
+            </a:extLst>
+          </p:cNvPr>
+          <p:cNvSpPr/>
+          <p:nvPr/>
+        </p:nvSpPr>
+        <p:spPr>
+          <a:xfrm>
+            <a:off x="4868050" y="3077882"/>
+            <a:ext cx="1466905" cy="1222361"/>
+          </a:xfrm>
+          <a:prstGeom prst="rect">
+            <a:avLst/>
+          </a:prstGeom>
+        </p:spPr>
+        <p:style>
+          <a:lnRef idx="2">
+            <a:schemeClr val="accent4">
+              <a:shade val="15000"/>
+            </a:schemeClr>
+          </a:lnRef>
+          <a:fillRef idx="1">
+            <a:schemeClr val="accent4"/>
+          </a:fillRef>
+          <a:effectRef idx="0">
+            <a:schemeClr val="accent4"/>
+          </a:effectRef>
+          <a:fontRef idx="minor">
+            <a:schemeClr val="lt1"/>
+          </a:fontRef>
+        </p:style>
+        <p:txBody>
+          <a:bodyPr rtlCol="0" anchor="ctr"/>
+          <a:lstStyle/>
+          <a:p>
+            <a:pPr algn="ctr"/>
+            <a:r>
+              <a:rPr lang="en-US" sz="3200" dirty="0"/>
+              <a:t>Data node</a:t>
+            </a:r>
+          </a:p>
+        </p:txBody>
+      </p:sp>
+      <p:sp>
+        <p:nvSpPr>
+          <p:cNvPr id="7" name="Rectangle 6">
+            <a:extLst>
+              <a:ext uri="{FF2B5EF4-FFF2-40B4-BE49-F238E27FC236}">
+                <a16:creationId xmlns:a16="http://schemas.microsoft.com/office/drawing/2014/main" id="{1041E93A-CDE7-D7F3-F1A7-BD84726123AE}"/>
+              </a:ext>
+            </a:extLst>
+          </p:cNvPr>
+          <p:cNvSpPr/>
+          <p:nvPr/>
+        </p:nvSpPr>
+        <p:spPr>
+          <a:xfrm>
+            <a:off x="6789325" y="3077881"/>
+            <a:ext cx="1466905" cy="1222361"/>
+          </a:xfrm>
+          <a:prstGeom prst="rect">
+            <a:avLst/>
+          </a:prstGeom>
+        </p:spPr>
+        <p:style>
+          <a:lnRef idx="2">
+            <a:schemeClr val="accent4">
+              <a:shade val="15000"/>
+            </a:schemeClr>
+          </a:lnRef>
+          <a:fillRef idx="1">
+            <a:schemeClr val="accent4"/>
+          </a:fillRef>
+          <a:effectRef idx="0">
+            <a:schemeClr val="accent4"/>
+          </a:effectRef>
+          <a:fontRef idx="minor">
+            <a:schemeClr val="lt1"/>
+          </a:fontRef>
+        </p:style>
+        <p:txBody>
+          <a:bodyPr rtlCol="0" anchor="ctr"/>
+          <a:lstStyle/>
+          <a:p>
+            <a:pPr algn="ctr"/>
+            <a:r>
+              <a:rPr lang="en-US" sz="3200" dirty="0"/>
+              <a:t>Ingest node</a:t>
+            </a:r>
+          </a:p>
+        </p:txBody>
+      </p:sp>
+      <p:sp>
+        <p:nvSpPr>
+          <p:cNvPr id="8" name="Rectangle 7">
+            <a:extLst>
+              <a:ext uri="{FF2B5EF4-FFF2-40B4-BE49-F238E27FC236}">
+                <a16:creationId xmlns:a16="http://schemas.microsoft.com/office/drawing/2014/main" id="{A1A4B5CA-EE78-F40F-6DFA-A12E1C6ACE53}"/>
+              </a:ext>
+            </a:extLst>
+          </p:cNvPr>
+          <p:cNvSpPr/>
+          <p:nvPr/>
+        </p:nvSpPr>
+        <p:spPr>
+          <a:xfrm>
+            <a:off x="3784412" y="4850086"/>
+            <a:ext cx="1466905" cy="1222361"/>
+          </a:xfrm>
+          <a:prstGeom prst="rect">
+            <a:avLst/>
+          </a:prstGeom>
+        </p:spPr>
+        <p:style>
+          <a:lnRef idx="2">
+            <a:schemeClr val="accent1">
+              <a:shade val="15000"/>
+            </a:schemeClr>
+          </a:lnRef>
+          <a:fillRef idx="1">
+            <a:schemeClr val="accent1"/>
+          </a:fillRef>
+          <a:effectRef idx="0">
+            <a:schemeClr val="accent1"/>
+          </a:effectRef>
+          <a:fontRef idx="minor">
+            <a:schemeClr val="lt1"/>
+          </a:fontRef>
+        </p:style>
+        <p:txBody>
+          <a:bodyPr rtlCol="0" anchor="ctr"/>
+          <a:lstStyle/>
+          <a:p>
+            <a:pPr algn="ctr"/>
+            <a:r>
+              <a:rPr lang="en-US" sz="3200" dirty="0"/>
+              <a:t>Shard</a:t>
+            </a:r>
+          </a:p>
+        </p:txBody>
+      </p:sp>
+      <p:sp>
+        <p:nvSpPr>
+          <p:cNvPr id="9" name="Rectangle 8">
+            <a:extLst>
+              <a:ext uri="{FF2B5EF4-FFF2-40B4-BE49-F238E27FC236}">
+                <a16:creationId xmlns:a16="http://schemas.microsoft.com/office/drawing/2014/main" id="{7DB6835A-F8BF-8E10-4862-E47638E8A2E5}"/>
+              </a:ext>
+            </a:extLst>
+          </p:cNvPr>
+          <p:cNvSpPr/>
+          <p:nvPr/>
+        </p:nvSpPr>
+        <p:spPr>
+          <a:xfrm>
+            <a:off x="5769920" y="4850086"/>
+            <a:ext cx="1466905" cy="1222361"/>
+          </a:xfrm>
+          <a:prstGeom prst="rect">
+            <a:avLst/>
+          </a:prstGeom>
+        </p:spPr>
+        <p:style>
+          <a:lnRef idx="2">
+            <a:schemeClr val="accent1">
+              <a:shade val="15000"/>
+            </a:schemeClr>
+          </a:lnRef>
+          <a:fillRef idx="1">
+            <a:schemeClr val="accent1"/>
+          </a:fillRef>
+          <a:effectRef idx="0">
+            <a:schemeClr val="accent1"/>
+          </a:effectRef>
+          <a:fontRef idx="minor">
+            <a:schemeClr val="lt1"/>
+          </a:fontRef>
+        </p:style>
+        <p:txBody>
+          <a:bodyPr rtlCol="0" anchor="ctr"/>
+          <a:lstStyle/>
+          <a:p>
+            <a:pPr algn="ctr"/>
+            <a:r>
+              <a:rPr lang="en-US" sz="3200" dirty="0"/>
+              <a:t>Replica</a:t>
+            </a:r>
+          </a:p>
+        </p:txBody>
+      </p:sp>
+      <p:sp>
+        <p:nvSpPr>
+          <p:cNvPr id="10" name="Rectangle 9">
+            <a:extLst>
+              <a:ext uri="{FF2B5EF4-FFF2-40B4-BE49-F238E27FC236}">
+                <a16:creationId xmlns:a16="http://schemas.microsoft.com/office/drawing/2014/main" id="{D805F276-0300-25E3-1F6B-5AB7B3B5E722}"/>
+              </a:ext>
+            </a:extLst>
+          </p:cNvPr>
+          <p:cNvSpPr/>
+          <p:nvPr/>
+        </p:nvSpPr>
+        <p:spPr>
+          <a:xfrm>
+            <a:off x="1826275" y="4850086"/>
+            <a:ext cx="1466905" cy="1222361"/>
+          </a:xfrm>
+          <a:prstGeom prst="rect">
+            <a:avLst/>
+          </a:prstGeom>
+        </p:spPr>
+        <p:style>
+          <a:lnRef idx="2">
+            <a:schemeClr val="accent1">
+              <a:shade val="15000"/>
+            </a:schemeClr>
+          </a:lnRef>
+          <a:fillRef idx="1">
+            <a:schemeClr val="accent1"/>
+          </a:fillRef>
+          <a:effectRef idx="0">
+            <a:schemeClr val="accent1"/>
+          </a:effectRef>
+          <a:fontRef idx="minor">
+            <a:schemeClr val="lt1"/>
+          </a:fontRef>
+        </p:style>
+        <p:txBody>
+          <a:bodyPr rtlCol="0" anchor="ctr"/>
+          <a:lstStyle/>
+          <a:p>
+            <a:pPr algn="ctr"/>
+            <a:r>
+              <a:rPr lang="en-US" sz="3200" dirty="0"/>
+              <a:t>Index</a:t>
+            </a:r>
+          </a:p>
+        </p:txBody>
+      </p:sp>
+      <p:sp>
+        <p:nvSpPr>
+          <p:cNvPr id="11" name="Rectangle 10">
+            <a:extLst>
+              <a:ext uri="{FF2B5EF4-FFF2-40B4-BE49-F238E27FC236}">
+                <a16:creationId xmlns:a16="http://schemas.microsoft.com/office/drawing/2014/main" id="{92D86495-3BA4-5235-4DD5-4FE4FF981CAC}"/>
+              </a:ext>
+            </a:extLst>
+          </p:cNvPr>
+          <p:cNvSpPr/>
+          <p:nvPr/>
+        </p:nvSpPr>
+        <p:spPr>
+          <a:xfrm>
+            <a:off x="7665259" y="4850085"/>
+            <a:ext cx="1958136" cy="1222361"/>
+          </a:xfrm>
+          <a:prstGeom prst="rect">
+            <a:avLst/>
+          </a:prstGeom>
+        </p:spPr>
+        <p:style>
+          <a:lnRef idx="2">
+            <a:schemeClr val="accent1">
+              <a:shade val="15000"/>
+            </a:schemeClr>
+          </a:lnRef>
+          <a:fillRef idx="1">
+            <a:schemeClr val="accent1"/>
+          </a:fillRef>
+          <a:effectRef idx="0">
+            <a:schemeClr val="accent1"/>
+          </a:effectRef>
+          <a:fontRef idx="minor">
+            <a:schemeClr val="lt1"/>
+          </a:fontRef>
+        </p:style>
+        <p:txBody>
+          <a:bodyPr rtlCol="0" anchor="ctr"/>
+          <a:lstStyle/>
+          <a:p>
+            <a:pPr algn="ctr"/>
+            <a:r>
+              <a:rPr lang="en-US" sz="3200" dirty="0"/>
+              <a:t>Document</a:t>
+            </a:r>
           </a:p>
         </p:txBody>
       </p:sp>
     </p:spTree>
     <p:extLst>
       <p:ext uri="{BB962C8B-B14F-4D97-AF65-F5344CB8AC3E}">
-        <p14:creationId xmlns:p14="http://schemas.microsoft.com/office/powerpoint/2010/main" val="2570667347"/>
+        <p14:creationId xmlns:p14="http://schemas.microsoft.com/office/powerpoint/2010/main" val="466069596"/>
       </p:ext>
     </p:extLst>
   </p:cSld>
@@ -4843,7 +6595,7 @@
           <p:cNvPr id="2" name="Title 1">
             <a:extLst>
               <a:ext uri="{FF2B5EF4-FFF2-40B4-BE49-F238E27FC236}">
-                <a16:creationId xmlns:a16="http://schemas.microsoft.com/office/drawing/2014/main" id="{65E5CDAB-5E99-7029-C60E-774F3940C864}"/>
+                <a16:creationId xmlns:a16="http://schemas.microsoft.com/office/drawing/2014/main" id="{52F925E4-0C80-F019-D721-95B1CA2C37A7}"/>
               </a:ext>
             </a:extLst>
           </p:cNvPr>
@@ -4859,9 +6611,10 @@
           <a:bodyPr/>
           <a:lstStyle/>
           <a:p>
-            <a:r>
-              <a:rPr lang="en-US" dirty="0"/>
-              <a:t>Create document</a:t>
+            <a:pPr algn="ctr"/>
+            <a:r>
+              <a:rPr lang="en-US" dirty="0"/>
+              <a:t>Master node</a:t>
             </a:r>
           </a:p>
         </p:txBody>
@@ -4871,7 +6624,7 @@
           <p:cNvPr id="3" name="Content Placeholder 2">
             <a:extLst>
               <a:ext uri="{FF2B5EF4-FFF2-40B4-BE49-F238E27FC236}">
-                <a16:creationId xmlns:a16="http://schemas.microsoft.com/office/drawing/2014/main" id="{3BCED5D1-8878-8E72-2F2D-E03C70182489}"/>
+                <a16:creationId xmlns:a16="http://schemas.microsoft.com/office/drawing/2014/main" id="{16183CA8-55AB-3D36-1191-33A3FF242501}"/>
               </a:ext>
             </a:extLst>
           </p:cNvPr>
@@ -4882,19 +6635,284 @@
             <p:ph idx="1"/>
           </p:nvPr>
         </p:nvSpPr>
-        <p:spPr/>
+        <p:spPr>
+          <a:xfrm>
+            <a:off x="838200" y="2601157"/>
+            <a:ext cx="10515600" cy="3575806"/>
+          </a:xfrm>
+        </p:spPr>
         <p:txBody>
           <a:bodyPr/>
           <a:lstStyle/>
           <a:p>
-            <a:endParaRPr lang="en-US"/>
+            <a:r>
+              <a:rPr lang="en-US" dirty="0"/>
+              <a:t>Master node </a:t>
+            </a:r>
+            <a:r>
+              <a:rPr lang="en-US" dirty="0" err="1"/>
+              <a:t>là</a:t>
+            </a:r>
+            <a:r>
+              <a:rPr lang="en-US" dirty="0"/>
+              <a:t> node </a:t>
+            </a:r>
+            <a:r>
+              <a:rPr lang="en-US" dirty="0" err="1"/>
+              <a:t>chịu</a:t>
+            </a:r>
+            <a:r>
+              <a:rPr lang="en-US" dirty="0"/>
+              <a:t> </a:t>
+            </a:r>
+            <a:r>
+              <a:rPr lang="en-US" dirty="0" err="1"/>
+              <a:t>trách</a:t>
+            </a:r>
+            <a:r>
+              <a:rPr lang="en-US" dirty="0"/>
+              <a:t> </a:t>
+            </a:r>
+            <a:r>
+              <a:rPr lang="en-US" dirty="0" err="1"/>
+              <a:t>nhiệm</a:t>
+            </a:r>
+            <a:r>
+              <a:rPr lang="en-US" dirty="0"/>
+              <a:t> </a:t>
+            </a:r>
+            <a:r>
+              <a:rPr lang="en-US" dirty="0" err="1"/>
+              <a:t>quản</a:t>
+            </a:r>
+            <a:r>
+              <a:rPr lang="en-US" dirty="0"/>
+              <a:t> </a:t>
+            </a:r>
+            <a:r>
+              <a:rPr lang="en-US" dirty="0" err="1"/>
+              <a:t>lý</a:t>
+            </a:r>
+            <a:r>
+              <a:rPr lang="en-US" dirty="0"/>
+              <a:t> </a:t>
+            </a:r>
+            <a:r>
+              <a:rPr lang="en-US" dirty="0" err="1"/>
+              <a:t>toàn</a:t>
+            </a:r>
+            <a:r>
+              <a:rPr lang="en-US" dirty="0"/>
+              <a:t> </a:t>
+            </a:r>
+            <a:r>
+              <a:rPr lang="en-US" dirty="0" err="1"/>
+              <a:t>bộ</a:t>
+            </a:r>
+            <a:r>
+              <a:rPr lang="en-US" dirty="0"/>
+              <a:t> cluster Elasticsearch (</a:t>
+            </a:r>
+            <a:r>
+              <a:rPr lang="en-US" dirty="0" err="1"/>
+              <a:t>quản</a:t>
+            </a:r>
+            <a:r>
+              <a:rPr lang="en-US" dirty="0"/>
+              <a:t> </a:t>
+            </a:r>
+            <a:r>
+              <a:rPr lang="en-US" dirty="0" err="1"/>
+              <a:t>lý</a:t>
+            </a:r>
+            <a:r>
+              <a:rPr lang="en-US" dirty="0"/>
+              <a:t> data node, shard, replica, mapping)</a:t>
+            </a:r>
+          </a:p>
+          <a:p>
+            <a:r>
+              <a:rPr lang="en-US" dirty="0"/>
+              <a:t>Data node </a:t>
+            </a:r>
+            <a:r>
+              <a:rPr lang="en-US" dirty="0" err="1"/>
+              <a:t>là</a:t>
+            </a:r>
+            <a:r>
+              <a:rPr lang="en-US" dirty="0"/>
+              <a:t> node </a:t>
+            </a:r>
+            <a:r>
+              <a:rPr lang="en-US" dirty="0" err="1"/>
+              <a:t>lưu</a:t>
+            </a:r>
+            <a:r>
+              <a:rPr lang="en-US" dirty="0"/>
+              <a:t>, </a:t>
+            </a:r>
+            <a:r>
+              <a:rPr lang="en-US" dirty="0" err="1"/>
+              <a:t>truy</a:t>
+            </a:r>
+            <a:r>
+              <a:rPr lang="en-US" dirty="0"/>
+              <a:t> </a:t>
+            </a:r>
+            <a:r>
+              <a:rPr lang="en-US" dirty="0" err="1"/>
+              <a:t>vấn</a:t>
+            </a:r>
+            <a:r>
+              <a:rPr lang="en-US" dirty="0"/>
+              <a:t> data </a:t>
+            </a:r>
+            <a:r>
+              <a:rPr lang="en-US" dirty="0" err="1"/>
+              <a:t>giúp</a:t>
+            </a:r>
+            <a:r>
+              <a:rPr lang="en-US" dirty="0"/>
+              <a:t> </a:t>
+            </a:r>
+            <a:r>
+              <a:rPr lang="en-US" dirty="0" err="1"/>
+              <a:t>cải</a:t>
+            </a:r>
+            <a:r>
+              <a:rPr lang="en-US" dirty="0"/>
+              <a:t> </a:t>
+            </a:r>
+            <a:r>
+              <a:rPr lang="en-US" dirty="0" err="1"/>
+              <a:t>thiện</a:t>
+            </a:r>
+            <a:r>
+              <a:rPr lang="en-US" dirty="0"/>
+              <a:t> </a:t>
+            </a:r>
+            <a:r>
+              <a:rPr lang="en-US" dirty="0" err="1"/>
+              <a:t>hiệu</a:t>
+            </a:r>
+            <a:r>
+              <a:rPr lang="en-US" dirty="0"/>
+              <a:t> </a:t>
+            </a:r>
+            <a:r>
+              <a:rPr lang="en-US" dirty="0" err="1"/>
+              <a:t>hiệu</a:t>
+            </a:r>
+            <a:r>
+              <a:rPr lang="en-US" dirty="0"/>
+              <a:t> </a:t>
+            </a:r>
+            <a:r>
+              <a:rPr lang="en-US" dirty="0" err="1"/>
+              <a:t>suất</a:t>
+            </a:r>
+            <a:endParaRPr lang="en-US" dirty="0"/>
+          </a:p>
+          <a:p>
+            <a:r>
+              <a:rPr lang="en-US" dirty="0"/>
+              <a:t>Ingest node </a:t>
+            </a:r>
+            <a:r>
+              <a:rPr lang="en-US" dirty="0" err="1"/>
+              <a:t>là</a:t>
+            </a:r>
+            <a:r>
+              <a:rPr lang="en-US" dirty="0"/>
+              <a:t> node </a:t>
+            </a:r>
+            <a:r>
+              <a:rPr lang="en-US" dirty="0" err="1"/>
+              <a:t>thực</a:t>
+            </a:r>
+            <a:r>
+              <a:rPr lang="en-US" dirty="0"/>
+              <a:t> </a:t>
+            </a:r>
+            <a:r>
+              <a:rPr lang="en-US" dirty="0" err="1"/>
+              <a:t>hiện</a:t>
+            </a:r>
+            <a:r>
+              <a:rPr lang="en-US" dirty="0"/>
+              <a:t> </a:t>
+            </a:r>
+            <a:r>
+              <a:rPr lang="en-US" dirty="0" err="1"/>
+              <a:t>xử</a:t>
+            </a:r>
+            <a:r>
+              <a:rPr lang="en-US" dirty="0"/>
+              <a:t> </a:t>
+            </a:r>
+            <a:r>
+              <a:rPr lang="en-US" dirty="0" err="1"/>
+              <a:t>lý</a:t>
+            </a:r>
+            <a:r>
+              <a:rPr lang="en-US" dirty="0"/>
+              <a:t> tagging, splitting, convert data </a:t>
+            </a:r>
+            <a:r>
+              <a:rPr lang="en-US" dirty="0" err="1"/>
+              <a:t>trong</a:t>
+            </a:r>
+            <a:r>
+              <a:rPr lang="en-US" dirty="0"/>
+              <a:t> </a:t>
+            </a:r>
+            <a:r>
+              <a:rPr lang="en-US" dirty="0" err="1"/>
+              <a:t>các</a:t>
+            </a:r>
+            <a:r>
+              <a:rPr lang="en-US" dirty="0"/>
+              <a:t> processors </a:t>
+            </a:r>
+            <a:r>
+              <a:rPr lang="en-US" dirty="0" err="1"/>
+              <a:t>trước</a:t>
+            </a:r>
+            <a:r>
+              <a:rPr lang="en-US" dirty="0"/>
+              <a:t> </a:t>
+            </a:r>
+            <a:r>
+              <a:rPr lang="en-US" dirty="0" err="1"/>
+              <a:t>khi</a:t>
+            </a:r>
+            <a:r>
+              <a:rPr lang="en-US" dirty="0"/>
+              <a:t> </a:t>
+            </a:r>
+            <a:r>
+              <a:rPr lang="en-US" dirty="0" err="1"/>
+              <a:t>lưu</a:t>
+            </a:r>
+            <a:r>
+              <a:rPr lang="en-US" dirty="0"/>
+              <a:t> </a:t>
+            </a:r>
+            <a:r>
+              <a:rPr lang="en-US" dirty="0" err="1"/>
+              <a:t>vào</a:t>
+            </a:r>
+            <a:r>
+              <a:rPr lang="en-US" dirty="0"/>
+              <a:t> data node</a:t>
+            </a:r>
           </a:p>
         </p:txBody>
       </p:sp>
     </p:spTree>
     <p:extLst>
       <p:ext uri="{BB962C8B-B14F-4D97-AF65-F5344CB8AC3E}">
-        <p14:creationId xmlns:p14="http://schemas.microsoft.com/office/powerpoint/2010/main" val="1681903552"/>
+        <p14:creationId xmlns:p14="http://schemas.microsoft.com/office/powerpoint/2010/main" val="4225911964"/>
       </p:ext>
     </p:extLst>
   </p:cSld>
@@ -4923,61 +6941,595 @@
       </p:grpSpPr>
       <p:sp>
         <p:nvSpPr>
-          <p:cNvPr id="2" name="Title 1">
-            <a:extLst>
-              <a:ext uri="{FF2B5EF4-FFF2-40B4-BE49-F238E27FC236}">
-                <a16:creationId xmlns:a16="http://schemas.microsoft.com/office/drawing/2014/main" id="{65E5CDAB-5E99-7029-C60E-774F3940C864}"/>
-              </a:ext>
-            </a:extLst>
-          </p:cNvPr>
-          <p:cNvSpPr>
-            <a:spLocks noGrp="1"/>
-          </p:cNvSpPr>
-          <p:nvPr>
-            <p:ph type="title"/>
-          </p:nvPr>
-        </p:nvSpPr>
-        <p:spPr/>
-        <p:txBody>
-          <a:bodyPr/>
-          <a:lstStyle/>
-          <a:p>
-            <a:r>
-              <a:rPr lang="en-US" dirty="0"/>
-              <a:t>Update document</a:t>
-            </a:r>
-          </a:p>
-        </p:txBody>
-      </p:sp>
-      <p:sp>
-        <p:nvSpPr>
-          <p:cNvPr id="3" name="Content Placeholder 2">
-            <a:extLst>
-              <a:ext uri="{FF2B5EF4-FFF2-40B4-BE49-F238E27FC236}">
-                <a16:creationId xmlns:a16="http://schemas.microsoft.com/office/drawing/2014/main" id="{3BCED5D1-8878-8E72-2F2D-E03C70182489}"/>
-              </a:ext>
-            </a:extLst>
-          </p:cNvPr>
-          <p:cNvSpPr>
-            <a:spLocks noGrp="1"/>
-          </p:cNvSpPr>
-          <p:nvPr>
-            <p:ph idx="1"/>
-          </p:nvPr>
-        </p:nvSpPr>
-        <p:spPr/>
-        <p:txBody>
-          <a:bodyPr/>
-          <a:lstStyle/>
-          <a:p>
-            <a:endParaRPr lang="en-US"/>
+          <p:cNvPr id="4" name="Rectangle 3">
+            <a:extLst>
+              <a:ext uri="{FF2B5EF4-FFF2-40B4-BE49-F238E27FC236}">
+                <a16:creationId xmlns:a16="http://schemas.microsoft.com/office/drawing/2014/main" id="{0A0ABD31-3DE6-73F5-D0A9-555C63A609E4}"/>
+              </a:ext>
+            </a:extLst>
+          </p:cNvPr>
+          <p:cNvSpPr/>
+          <p:nvPr/>
+        </p:nvSpPr>
+        <p:spPr>
+          <a:xfrm>
+            <a:off x="4515775" y="5052132"/>
+            <a:ext cx="3160450" cy="1020932"/>
+          </a:xfrm>
+          <a:prstGeom prst="rect">
+            <a:avLst/>
+          </a:prstGeom>
+          <a:noFill/>
+        </p:spPr>
+        <p:style>
+          <a:lnRef idx="2">
+            <a:schemeClr val="accent1">
+              <a:shade val="15000"/>
+            </a:schemeClr>
+          </a:lnRef>
+          <a:fillRef idx="1">
+            <a:schemeClr val="accent1"/>
+          </a:fillRef>
+          <a:effectRef idx="0">
+            <a:schemeClr val="accent1"/>
+          </a:effectRef>
+          <a:fontRef idx="minor">
+            <a:schemeClr val="lt1"/>
+          </a:fontRef>
+        </p:style>
+        <p:txBody>
+          <a:bodyPr rtlCol="0" anchor="ctr"/>
+          <a:lstStyle/>
+          <a:p>
+            <a:pPr algn="ctr"/>
+            <a:r>
+              <a:rPr lang="en-US" sz="2400" dirty="0">
+                <a:solidFill>
+                  <a:schemeClr val="tx1"/>
+                </a:solidFill>
+              </a:rPr>
+              <a:t>INDEX</a:t>
+            </a:r>
+          </a:p>
+        </p:txBody>
+      </p:sp>
+      <p:sp>
+        <p:nvSpPr>
+          <p:cNvPr id="7" name="TextBox 6">
+            <a:extLst>
+              <a:ext uri="{FF2B5EF4-FFF2-40B4-BE49-F238E27FC236}">
+                <a16:creationId xmlns:a16="http://schemas.microsoft.com/office/drawing/2014/main" id="{D2F53778-93AC-C5F6-EC78-E66794D664E3}"/>
+              </a:ext>
+            </a:extLst>
+          </p:cNvPr>
+          <p:cNvSpPr txBox="1"/>
+          <p:nvPr/>
+        </p:nvSpPr>
+        <p:spPr>
+          <a:xfrm>
+            <a:off x="5621045" y="6138481"/>
+            <a:ext cx="949910" cy="369332"/>
+          </a:xfrm>
+          <a:prstGeom prst="rect">
+            <a:avLst/>
+          </a:prstGeom>
+          <a:noFill/>
+        </p:spPr>
+        <p:txBody>
+          <a:bodyPr wrap="square" rtlCol="0">
+            <a:spAutoFit/>
+          </a:bodyPr>
+          <a:lstStyle/>
+          <a:p>
+            <a:r>
+              <a:rPr lang="en-US" dirty="0"/>
+              <a:t>600GB</a:t>
+            </a:r>
+          </a:p>
+        </p:txBody>
+      </p:sp>
+      <p:grpSp>
+        <p:nvGrpSpPr>
+          <p:cNvPr id="11" name="Group 10">
+            <a:extLst>
+              <a:ext uri="{FF2B5EF4-FFF2-40B4-BE49-F238E27FC236}">
+                <a16:creationId xmlns:a16="http://schemas.microsoft.com/office/drawing/2014/main" id="{FE8B90BB-D177-29B8-F7BE-1268F52CC78B}"/>
+              </a:ext>
+            </a:extLst>
+          </p:cNvPr>
+          <p:cNvGrpSpPr/>
+          <p:nvPr/>
+        </p:nvGrpSpPr>
+        <p:grpSpPr>
+          <a:xfrm>
+            <a:off x="2183906" y="2202657"/>
+            <a:ext cx="2414726" cy="2414726"/>
+            <a:chOff x="2183906" y="2202657"/>
+            <a:chExt cx="2414726" cy="2414726"/>
+          </a:xfrm>
+        </p:grpSpPr>
+        <p:sp>
+          <p:nvSpPr>
+            <p:cNvPr id="5" name="Oval 4">
+              <a:extLst>
+                <a:ext uri="{FF2B5EF4-FFF2-40B4-BE49-F238E27FC236}">
+                  <a16:creationId xmlns:a16="http://schemas.microsoft.com/office/drawing/2014/main" id="{18D01C9E-BD8F-A3B2-FE21-4ED21A107F23}"/>
+                </a:ext>
+              </a:extLst>
+            </p:cNvPr>
+            <p:cNvSpPr/>
+            <p:nvPr/>
+          </p:nvSpPr>
+          <p:spPr>
+            <a:xfrm>
+              <a:off x="2183906" y="2202657"/>
+              <a:ext cx="2414726" cy="2414726"/>
+            </a:xfrm>
+            <a:prstGeom prst="ellipse">
+              <a:avLst/>
+            </a:prstGeom>
+          </p:spPr>
+          <p:style>
+            <a:lnRef idx="2">
+              <a:schemeClr val="accent4">
+                <a:shade val="15000"/>
+              </a:schemeClr>
+            </a:lnRef>
+            <a:fillRef idx="1">
+              <a:schemeClr val="accent4"/>
+            </a:fillRef>
+            <a:effectRef idx="0">
+              <a:schemeClr val="accent4"/>
+            </a:effectRef>
+            <a:fontRef idx="minor">
+              <a:schemeClr val="lt1"/>
+            </a:fontRef>
+          </p:style>
+          <p:txBody>
+            <a:bodyPr rtlCol="0" anchor="ctr"/>
+            <a:lstStyle/>
+            <a:p>
+              <a:pPr algn="ctr"/>
+              <a:endParaRPr lang="en-US" dirty="0"/>
+            </a:p>
+          </p:txBody>
+        </p:sp>
+        <p:sp>
+          <p:nvSpPr>
+            <p:cNvPr id="9" name="Rectangle 8">
+              <a:extLst>
+                <a:ext uri="{FF2B5EF4-FFF2-40B4-BE49-F238E27FC236}">
+                  <a16:creationId xmlns:a16="http://schemas.microsoft.com/office/drawing/2014/main" id="{329B1DB8-D37E-4AFA-5AC2-55A841202C12}"/>
+                </a:ext>
+              </a:extLst>
+            </p:cNvPr>
+            <p:cNvSpPr/>
+            <p:nvPr/>
+          </p:nvSpPr>
+          <p:spPr>
+            <a:xfrm>
+              <a:off x="2610035" y="2672179"/>
+              <a:ext cx="1526960" cy="417250"/>
+            </a:xfrm>
+            <a:prstGeom prst="rect">
+              <a:avLst/>
+            </a:prstGeom>
+            <a:solidFill>
+              <a:schemeClr val="bg1"/>
+            </a:solidFill>
+          </p:spPr>
+          <p:style>
+            <a:lnRef idx="2">
+              <a:schemeClr val="accent1">
+                <a:shade val="15000"/>
+              </a:schemeClr>
+            </a:lnRef>
+            <a:fillRef idx="1">
+              <a:schemeClr val="accent1"/>
+            </a:fillRef>
+            <a:effectRef idx="0">
+              <a:schemeClr val="accent1"/>
+            </a:effectRef>
+            <a:fontRef idx="minor">
+              <a:schemeClr val="lt1"/>
+            </a:fontRef>
+          </p:style>
+          <p:txBody>
+            <a:bodyPr rtlCol="0" anchor="ctr"/>
+            <a:lstStyle/>
+            <a:p>
+              <a:pPr algn="ctr"/>
+              <a:r>
+                <a:rPr lang="en-US" dirty="0">
+                  <a:solidFill>
+                    <a:schemeClr val="tx1"/>
+                  </a:solidFill>
+                </a:rPr>
+                <a:t>Shard A</a:t>
+              </a:r>
+            </a:p>
+          </p:txBody>
+        </p:sp>
+        <p:sp>
+          <p:nvSpPr>
+            <p:cNvPr id="10" name="Rectangle 9">
+              <a:extLst>
+                <a:ext uri="{FF2B5EF4-FFF2-40B4-BE49-F238E27FC236}">
+                  <a16:creationId xmlns:a16="http://schemas.microsoft.com/office/drawing/2014/main" id="{99C5735D-5368-F346-50B0-EF8498176A59}"/>
+                </a:ext>
+              </a:extLst>
+            </p:cNvPr>
+            <p:cNvSpPr/>
+            <p:nvPr/>
+          </p:nvSpPr>
+          <p:spPr>
+            <a:xfrm>
+              <a:off x="2627789" y="3639358"/>
+              <a:ext cx="1526960" cy="417250"/>
+            </a:xfrm>
+            <a:prstGeom prst="rect">
+              <a:avLst/>
+            </a:prstGeom>
+            <a:solidFill>
+              <a:schemeClr val="bg1"/>
+            </a:solidFill>
+          </p:spPr>
+          <p:style>
+            <a:lnRef idx="2">
+              <a:schemeClr val="accent1">
+                <a:shade val="15000"/>
+              </a:schemeClr>
+            </a:lnRef>
+            <a:fillRef idx="1">
+              <a:schemeClr val="accent1"/>
+            </a:fillRef>
+            <a:effectRef idx="0">
+              <a:schemeClr val="accent1"/>
+            </a:effectRef>
+            <a:fontRef idx="minor">
+              <a:schemeClr val="lt1"/>
+            </a:fontRef>
+          </p:style>
+          <p:txBody>
+            <a:bodyPr rtlCol="0" anchor="ctr"/>
+            <a:lstStyle/>
+            <a:p>
+              <a:pPr algn="ctr"/>
+              <a:r>
+                <a:rPr lang="en-US" dirty="0">
+                  <a:solidFill>
+                    <a:schemeClr val="tx1"/>
+                  </a:solidFill>
+                </a:rPr>
+                <a:t>Replica A</a:t>
+              </a:r>
+            </a:p>
+          </p:txBody>
+        </p:sp>
+      </p:grpSp>
+      <p:grpSp>
+        <p:nvGrpSpPr>
+          <p:cNvPr id="12" name="Group 11">
+            <a:extLst>
+              <a:ext uri="{FF2B5EF4-FFF2-40B4-BE49-F238E27FC236}">
+                <a16:creationId xmlns:a16="http://schemas.microsoft.com/office/drawing/2014/main" id="{5FCEE1C4-CA6C-556A-1CCE-7D43391B103E}"/>
+              </a:ext>
+            </a:extLst>
+          </p:cNvPr>
+          <p:cNvGrpSpPr/>
+          <p:nvPr/>
+        </p:nvGrpSpPr>
+        <p:grpSpPr>
+          <a:xfrm>
+            <a:off x="7593368" y="2221637"/>
+            <a:ext cx="2414726" cy="2414726"/>
+            <a:chOff x="2183906" y="2202657"/>
+            <a:chExt cx="2414726" cy="2414726"/>
+          </a:xfrm>
+        </p:grpSpPr>
+        <p:sp>
+          <p:nvSpPr>
+            <p:cNvPr id="13" name="Oval 12">
+              <a:extLst>
+                <a:ext uri="{FF2B5EF4-FFF2-40B4-BE49-F238E27FC236}">
+                  <a16:creationId xmlns:a16="http://schemas.microsoft.com/office/drawing/2014/main" id="{F0DAD05F-6943-2641-3E2D-B2D2072B9CBA}"/>
+                </a:ext>
+              </a:extLst>
+            </p:cNvPr>
+            <p:cNvSpPr/>
+            <p:nvPr/>
+          </p:nvSpPr>
+          <p:spPr>
+            <a:xfrm>
+              <a:off x="2183906" y="2202657"/>
+              <a:ext cx="2414726" cy="2414726"/>
+            </a:xfrm>
+            <a:prstGeom prst="ellipse">
+              <a:avLst/>
+            </a:prstGeom>
+          </p:spPr>
+          <p:style>
+            <a:lnRef idx="2">
+              <a:schemeClr val="accent5">
+                <a:shade val="15000"/>
+              </a:schemeClr>
+            </a:lnRef>
+            <a:fillRef idx="1">
+              <a:schemeClr val="accent5"/>
+            </a:fillRef>
+            <a:effectRef idx="0">
+              <a:schemeClr val="accent5"/>
+            </a:effectRef>
+            <a:fontRef idx="minor">
+              <a:schemeClr val="lt1"/>
+            </a:fontRef>
+          </p:style>
+          <p:txBody>
+            <a:bodyPr rtlCol="0" anchor="ctr"/>
+            <a:lstStyle/>
+            <a:p>
+              <a:pPr algn="ctr"/>
+              <a:endParaRPr lang="en-US" dirty="0"/>
+            </a:p>
+          </p:txBody>
+        </p:sp>
+        <p:sp>
+          <p:nvSpPr>
+            <p:cNvPr id="14" name="Rectangle 13">
+              <a:extLst>
+                <a:ext uri="{FF2B5EF4-FFF2-40B4-BE49-F238E27FC236}">
+                  <a16:creationId xmlns:a16="http://schemas.microsoft.com/office/drawing/2014/main" id="{AFFC8944-39DB-2E6B-C411-97BB7A427DC7}"/>
+                </a:ext>
+              </a:extLst>
+            </p:cNvPr>
+            <p:cNvSpPr/>
+            <p:nvPr/>
+          </p:nvSpPr>
+          <p:spPr>
+            <a:xfrm>
+              <a:off x="2610035" y="2672179"/>
+              <a:ext cx="1526960" cy="417250"/>
+            </a:xfrm>
+            <a:prstGeom prst="rect">
+              <a:avLst/>
+            </a:prstGeom>
+            <a:solidFill>
+              <a:schemeClr val="bg1"/>
+            </a:solidFill>
+          </p:spPr>
+          <p:style>
+            <a:lnRef idx="2">
+              <a:schemeClr val="accent1">
+                <a:shade val="15000"/>
+              </a:schemeClr>
+            </a:lnRef>
+            <a:fillRef idx="1">
+              <a:schemeClr val="accent1"/>
+            </a:fillRef>
+            <a:effectRef idx="0">
+              <a:schemeClr val="accent1"/>
+            </a:effectRef>
+            <a:fontRef idx="minor">
+              <a:schemeClr val="lt1"/>
+            </a:fontRef>
+          </p:style>
+          <p:txBody>
+            <a:bodyPr rtlCol="0" anchor="ctr"/>
+            <a:lstStyle/>
+            <a:p>
+              <a:pPr algn="ctr"/>
+              <a:r>
+                <a:rPr lang="en-US" dirty="0">
+                  <a:solidFill>
+                    <a:schemeClr val="tx1"/>
+                  </a:solidFill>
+                </a:rPr>
+                <a:t>Shard B</a:t>
+              </a:r>
+            </a:p>
+          </p:txBody>
+        </p:sp>
+        <p:sp>
+          <p:nvSpPr>
+            <p:cNvPr id="15" name="Rectangle 14">
+              <a:extLst>
+                <a:ext uri="{FF2B5EF4-FFF2-40B4-BE49-F238E27FC236}">
+                  <a16:creationId xmlns:a16="http://schemas.microsoft.com/office/drawing/2014/main" id="{CED32813-5EE5-8BFF-67E3-E127E218F567}"/>
+                </a:ext>
+              </a:extLst>
+            </p:cNvPr>
+            <p:cNvSpPr/>
+            <p:nvPr/>
+          </p:nvSpPr>
+          <p:spPr>
+            <a:xfrm>
+              <a:off x="2627789" y="3639358"/>
+              <a:ext cx="1526960" cy="417250"/>
+            </a:xfrm>
+            <a:prstGeom prst="rect">
+              <a:avLst/>
+            </a:prstGeom>
+            <a:solidFill>
+              <a:schemeClr val="bg1"/>
+            </a:solidFill>
+          </p:spPr>
+          <p:style>
+            <a:lnRef idx="2">
+              <a:schemeClr val="accent1">
+                <a:shade val="15000"/>
+              </a:schemeClr>
+            </a:lnRef>
+            <a:fillRef idx="1">
+              <a:schemeClr val="accent1"/>
+            </a:fillRef>
+            <a:effectRef idx="0">
+              <a:schemeClr val="accent1"/>
+            </a:effectRef>
+            <a:fontRef idx="minor">
+              <a:schemeClr val="lt1"/>
+            </a:fontRef>
+          </p:style>
+          <p:txBody>
+            <a:bodyPr rtlCol="0" anchor="ctr"/>
+            <a:lstStyle/>
+            <a:p>
+              <a:pPr algn="ctr"/>
+              <a:r>
+                <a:rPr lang="en-US" dirty="0">
+                  <a:solidFill>
+                    <a:schemeClr val="tx1"/>
+                  </a:solidFill>
+                </a:rPr>
+                <a:t>Replica B</a:t>
+              </a:r>
+            </a:p>
+          </p:txBody>
+        </p:sp>
+      </p:grpSp>
+      <p:sp>
+        <p:nvSpPr>
+          <p:cNvPr id="20" name="TextBox 19">
+            <a:extLst>
+              <a:ext uri="{FF2B5EF4-FFF2-40B4-BE49-F238E27FC236}">
+                <a16:creationId xmlns:a16="http://schemas.microsoft.com/office/drawing/2014/main" id="{D206A129-0C23-18E7-EC37-E79F65E5D880}"/>
+              </a:ext>
+            </a:extLst>
+          </p:cNvPr>
+          <p:cNvSpPr txBox="1"/>
+          <p:nvPr/>
+        </p:nvSpPr>
+        <p:spPr>
+          <a:xfrm>
+            <a:off x="8516645" y="4640117"/>
+            <a:ext cx="949910" cy="369332"/>
+          </a:xfrm>
+          <a:prstGeom prst="rect">
+            <a:avLst/>
+          </a:prstGeom>
+          <a:noFill/>
+        </p:spPr>
+        <p:txBody>
+          <a:bodyPr wrap="square" rtlCol="0">
+            <a:spAutoFit/>
+          </a:bodyPr>
+          <a:lstStyle/>
+          <a:p>
+            <a:r>
+              <a:rPr lang="en-US" dirty="0"/>
+              <a:t>500GB</a:t>
+            </a:r>
+          </a:p>
+        </p:txBody>
+      </p:sp>
+      <p:sp>
+        <p:nvSpPr>
+          <p:cNvPr id="21" name="TextBox 20">
+            <a:extLst>
+              <a:ext uri="{FF2B5EF4-FFF2-40B4-BE49-F238E27FC236}">
+                <a16:creationId xmlns:a16="http://schemas.microsoft.com/office/drawing/2014/main" id="{6AAD875B-3D2C-AAD8-9F09-7F7575DD7CB2}"/>
+              </a:ext>
+            </a:extLst>
+          </p:cNvPr>
+          <p:cNvSpPr txBox="1"/>
+          <p:nvPr/>
+        </p:nvSpPr>
+        <p:spPr>
+          <a:xfrm>
+            <a:off x="3042081" y="4650091"/>
+            <a:ext cx="949910" cy="369332"/>
+          </a:xfrm>
+          <a:prstGeom prst="rect">
+            <a:avLst/>
+          </a:prstGeom>
+          <a:noFill/>
+        </p:spPr>
+        <p:txBody>
+          <a:bodyPr wrap="square" rtlCol="0">
+            <a:spAutoFit/>
+          </a:bodyPr>
+          <a:lstStyle/>
+          <a:p>
+            <a:r>
+              <a:rPr lang="en-US" dirty="0"/>
+              <a:t>500GB</a:t>
+            </a:r>
+          </a:p>
+        </p:txBody>
+      </p:sp>
+      <p:sp>
+        <p:nvSpPr>
+          <p:cNvPr id="22" name="TextBox 21">
+            <a:extLst>
+              <a:ext uri="{FF2B5EF4-FFF2-40B4-BE49-F238E27FC236}">
+                <a16:creationId xmlns:a16="http://schemas.microsoft.com/office/drawing/2014/main" id="{BC5E8211-4D13-053D-4147-74BE3CFF11B9}"/>
+              </a:ext>
+            </a:extLst>
+          </p:cNvPr>
+          <p:cNvSpPr txBox="1"/>
+          <p:nvPr/>
+        </p:nvSpPr>
+        <p:spPr>
+          <a:xfrm>
+            <a:off x="3042081" y="3186744"/>
+            <a:ext cx="949910" cy="369332"/>
+          </a:xfrm>
+          <a:prstGeom prst="rect">
+            <a:avLst/>
+          </a:prstGeom>
+          <a:noFill/>
+        </p:spPr>
+        <p:txBody>
+          <a:bodyPr wrap="square" rtlCol="0">
+            <a:spAutoFit/>
+          </a:bodyPr>
+          <a:lstStyle/>
+          <a:p>
+            <a:r>
+              <a:rPr lang="en-US" dirty="0"/>
+              <a:t>300GB</a:t>
+            </a:r>
+          </a:p>
+        </p:txBody>
+      </p:sp>
+      <p:sp>
+        <p:nvSpPr>
+          <p:cNvPr id="23" name="TextBox 22">
+            <a:extLst>
+              <a:ext uri="{FF2B5EF4-FFF2-40B4-BE49-F238E27FC236}">
+                <a16:creationId xmlns:a16="http://schemas.microsoft.com/office/drawing/2014/main" id="{2BD070BA-2263-BFF1-08D2-070F5DBBD823}"/>
+              </a:ext>
+            </a:extLst>
+          </p:cNvPr>
+          <p:cNvSpPr txBox="1"/>
+          <p:nvPr/>
+        </p:nvSpPr>
+        <p:spPr>
+          <a:xfrm>
+            <a:off x="8420470" y="3186744"/>
+            <a:ext cx="949910" cy="369332"/>
+          </a:xfrm>
+          <a:prstGeom prst="rect">
+            <a:avLst/>
+          </a:prstGeom>
+          <a:noFill/>
+        </p:spPr>
+        <p:txBody>
+          <a:bodyPr wrap="square" rtlCol="0">
+            <a:spAutoFit/>
+          </a:bodyPr>
+          <a:lstStyle/>
+          <a:p>
+            <a:r>
+              <a:rPr lang="en-US" dirty="0"/>
+              <a:t>300GB</a:t>
+            </a:r>
           </a:p>
         </p:txBody>
       </p:sp>
     </p:spTree>
     <p:extLst>
       <p:ext uri="{BB962C8B-B14F-4D97-AF65-F5344CB8AC3E}">
-        <p14:creationId xmlns:p14="http://schemas.microsoft.com/office/powerpoint/2010/main" val="134424348"/>
+        <p14:creationId xmlns:p14="http://schemas.microsoft.com/office/powerpoint/2010/main" val="1477140612"/>
       </p:ext>
     </p:extLst>
   </p:cSld>
